--- a/learn-git.pptx
+++ b/learn-git.pptx
@@ -4,6 +4,9 @@
   <p:sldMasterIdLst>
     <p:sldMasterId id="2147483648" r:id="rId1"/>
   </p:sldMasterIdLst>
+  <p:notesMasterIdLst>
+    <p:notesMasterId r:id="rId14"/>
+  </p:notesMasterIdLst>
   <p:sldIdLst>
     <p:sldId id="256" r:id="rId2"/>
     <p:sldId id="266" r:id="rId3"/>
@@ -116,6 +119,498 @@
     </a:lvl9pPr>
   </p:defaultTextStyle>
 </p:presentation>
+</file>
+
+<file path=ppt/notesMasters/notesMaster1.xml><?xml version="1.0" encoding="utf-8"?>
+<p:notesMaster xmlns:a="http://schemas.openxmlformats.org/drawingml/2006/main" xmlns:r="http://schemas.openxmlformats.org/officeDocument/2006/relationships" xmlns:p="http://schemas.openxmlformats.org/presentationml/2006/main">
+  <p:cSld>
+    <p:bg>
+      <p:bgRef idx="1001">
+        <a:schemeClr val="bg1"/>
+      </p:bgRef>
+    </p:bg>
+    <p:spTree>
+      <p:nvGrpSpPr>
+        <p:cNvPr id="1" name=""/>
+        <p:cNvGrpSpPr/>
+        <p:nvPr/>
+      </p:nvGrpSpPr>
+      <p:grpSpPr>
+        <a:xfrm>
+          <a:off x="0" y="0"/>
+          <a:ext cx="0" cy="0"/>
+          <a:chOff x="0" y="0"/>
+          <a:chExt cx="0" cy="0"/>
+        </a:xfrm>
+      </p:grpSpPr>
+      <p:sp>
+        <p:nvSpPr>
+          <p:cNvPr id="2" name="Header Placeholder 1"/>
+          <p:cNvSpPr>
+            <a:spLocks noGrp="1"/>
+          </p:cNvSpPr>
+          <p:nvPr>
+            <p:ph type="hdr" sz="quarter"/>
+          </p:nvPr>
+        </p:nvSpPr>
+        <p:spPr>
+          <a:xfrm>
+            <a:off x="0" y="0"/>
+            <a:ext cx="2971800" cy="458788"/>
+          </a:xfrm>
+          <a:prstGeom prst="rect">
+            <a:avLst/>
+          </a:prstGeom>
+        </p:spPr>
+        <p:txBody>
+          <a:bodyPr vert="horz" lIns="91440" tIns="45720" rIns="91440" bIns="45720" rtlCol="0"/>
+          <a:lstStyle>
+            <a:lvl1pPr algn="l">
+              <a:defRPr sz="1200"/>
+            </a:lvl1pPr>
+          </a:lstStyle>
+          <a:p>
+            <a:endParaRPr lang="en-US"/>
+          </a:p>
+        </p:txBody>
+      </p:sp>
+      <p:sp>
+        <p:nvSpPr>
+          <p:cNvPr id="3" name="Date Placeholder 2"/>
+          <p:cNvSpPr>
+            <a:spLocks noGrp="1"/>
+          </p:cNvSpPr>
+          <p:nvPr>
+            <p:ph type="dt" idx="1"/>
+          </p:nvPr>
+        </p:nvSpPr>
+        <p:spPr>
+          <a:xfrm>
+            <a:off x="3884613" y="0"/>
+            <a:ext cx="2971800" cy="458788"/>
+          </a:xfrm>
+          <a:prstGeom prst="rect">
+            <a:avLst/>
+          </a:prstGeom>
+        </p:spPr>
+        <p:txBody>
+          <a:bodyPr vert="horz" lIns="91440" tIns="45720" rIns="91440" bIns="45720" rtlCol="0"/>
+          <a:lstStyle>
+            <a:lvl1pPr algn="r">
+              <a:defRPr sz="1200"/>
+            </a:lvl1pPr>
+          </a:lstStyle>
+          <a:p>
+            <a:fld id="{18E6775E-4743-1944-831A-A69A1C2346E2}" type="datetimeFigureOut">
+              <a:rPr lang="en-US" smtClean="0"/>
+              <a:t>9/15/16</a:t>
+            </a:fld>
+            <a:endParaRPr lang="en-US"/>
+          </a:p>
+        </p:txBody>
+      </p:sp>
+      <p:sp>
+        <p:nvSpPr>
+          <p:cNvPr id="4" name="Slide Image Placeholder 3"/>
+          <p:cNvSpPr>
+            <a:spLocks noGrp="1" noRot="1" noChangeAspect="1"/>
+          </p:cNvSpPr>
+          <p:nvPr>
+            <p:ph type="sldImg" idx="2"/>
+          </p:nvPr>
+        </p:nvSpPr>
+        <p:spPr>
+          <a:xfrm>
+            <a:off x="685800" y="1143000"/>
+            <a:ext cx="5486400" cy="3086100"/>
+          </a:xfrm>
+          <a:prstGeom prst="rect">
+            <a:avLst/>
+          </a:prstGeom>
+          <a:noFill/>
+          <a:ln w="12700">
+            <a:solidFill>
+              <a:prstClr val="black"/>
+            </a:solidFill>
+          </a:ln>
+        </p:spPr>
+        <p:txBody>
+          <a:bodyPr vert="horz" lIns="91440" tIns="45720" rIns="91440" bIns="45720" rtlCol="0" anchor="ctr"/>
+          <a:lstStyle/>
+          <a:p>
+            <a:endParaRPr lang="en-US"/>
+          </a:p>
+        </p:txBody>
+      </p:sp>
+      <p:sp>
+        <p:nvSpPr>
+          <p:cNvPr id="5" name="Notes Placeholder 4"/>
+          <p:cNvSpPr>
+            <a:spLocks noGrp="1"/>
+          </p:cNvSpPr>
+          <p:nvPr>
+            <p:ph type="body" sz="quarter" idx="3"/>
+          </p:nvPr>
+        </p:nvSpPr>
+        <p:spPr>
+          <a:xfrm>
+            <a:off x="685800" y="4400550"/>
+            <a:ext cx="5486400" cy="3600450"/>
+          </a:xfrm>
+          <a:prstGeom prst="rect">
+            <a:avLst/>
+          </a:prstGeom>
+        </p:spPr>
+        <p:txBody>
+          <a:bodyPr vert="horz" lIns="91440" tIns="45720" rIns="91440" bIns="45720" rtlCol="0"/>
+          <a:lstStyle/>
+          <a:p>
+            <a:pPr lvl="0"/>
+            <a:r>
+              <a:rPr lang="en-US" smtClean="0"/>
+              <a:t>Click to edit Master text styles</a:t>
+            </a:r>
+          </a:p>
+          <a:p>
+            <a:pPr lvl="1"/>
+            <a:r>
+              <a:rPr lang="en-US" smtClean="0"/>
+              <a:t>Second level</a:t>
+            </a:r>
+          </a:p>
+          <a:p>
+            <a:pPr lvl="2"/>
+            <a:r>
+              <a:rPr lang="en-US" smtClean="0"/>
+              <a:t>Third level</a:t>
+            </a:r>
+          </a:p>
+          <a:p>
+            <a:pPr lvl="3"/>
+            <a:r>
+              <a:rPr lang="en-US" smtClean="0"/>
+              <a:t>Fourth level</a:t>
+            </a:r>
+          </a:p>
+          <a:p>
+            <a:pPr lvl="4"/>
+            <a:r>
+              <a:rPr lang="en-US" smtClean="0"/>
+              <a:t>Fifth level</a:t>
+            </a:r>
+            <a:endParaRPr lang="en-US"/>
+          </a:p>
+        </p:txBody>
+      </p:sp>
+      <p:sp>
+        <p:nvSpPr>
+          <p:cNvPr id="6" name="Footer Placeholder 5"/>
+          <p:cNvSpPr>
+            <a:spLocks noGrp="1"/>
+          </p:cNvSpPr>
+          <p:nvPr>
+            <p:ph type="ftr" sz="quarter" idx="4"/>
+          </p:nvPr>
+        </p:nvSpPr>
+        <p:spPr>
+          <a:xfrm>
+            <a:off x="0" y="8685213"/>
+            <a:ext cx="2971800" cy="458787"/>
+          </a:xfrm>
+          <a:prstGeom prst="rect">
+            <a:avLst/>
+          </a:prstGeom>
+        </p:spPr>
+        <p:txBody>
+          <a:bodyPr vert="horz" lIns="91440" tIns="45720" rIns="91440" bIns="45720" rtlCol="0" anchor="b"/>
+          <a:lstStyle>
+            <a:lvl1pPr algn="l">
+              <a:defRPr sz="1200"/>
+            </a:lvl1pPr>
+          </a:lstStyle>
+          <a:p>
+            <a:endParaRPr lang="en-US"/>
+          </a:p>
+        </p:txBody>
+      </p:sp>
+      <p:sp>
+        <p:nvSpPr>
+          <p:cNvPr id="7" name="Slide Number Placeholder 6"/>
+          <p:cNvSpPr>
+            <a:spLocks noGrp="1"/>
+          </p:cNvSpPr>
+          <p:nvPr>
+            <p:ph type="sldNum" sz="quarter" idx="5"/>
+          </p:nvPr>
+        </p:nvSpPr>
+        <p:spPr>
+          <a:xfrm>
+            <a:off x="3884613" y="8685213"/>
+            <a:ext cx="2971800" cy="458787"/>
+          </a:xfrm>
+          <a:prstGeom prst="rect">
+            <a:avLst/>
+          </a:prstGeom>
+        </p:spPr>
+        <p:txBody>
+          <a:bodyPr vert="horz" lIns="91440" tIns="45720" rIns="91440" bIns="45720" rtlCol="0" anchor="b"/>
+          <a:lstStyle>
+            <a:lvl1pPr algn="r">
+              <a:defRPr sz="1200"/>
+            </a:lvl1pPr>
+          </a:lstStyle>
+          <a:p>
+            <a:fld id="{38C6B4E5-8CCC-BB4F-A6BE-2515E47FE712}" type="slidenum">
+              <a:rPr lang="en-US" smtClean="0"/>
+              <a:t>‹#›</a:t>
+            </a:fld>
+            <a:endParaRPr lang="en-US"/>
+          </a:p>
+        </p:txBody>
+      </p:sp>
+    </p:spTree>
+    <p:extLst>
+      <p:ext uri="{BB962C8B-B14F-4D97-AF65-F5344CB8AC3E}">
+        <p14:creationId xmlns:p14="http://schemas.microsoft.com/office/powerpoint/2010/main" val="2005373447"/>
+      </p:ext>
+    </p:extLst>
+  </p:cSld>
+  <p:clrMap bg1="lt1" tx1="dk1" bg2="lt2" tx2="dk2" accent1="accent1" accent2="accent2" accent3="accent3" accent4="accent4" accent5="accent5" accent6="accent6" hlink="hlink" folHlink="folHlink"/>
+  <p:notesStyle>
+    <a:lvl1pPr marL="0" algn="l" defTabSz="914400" rtl="0" eaLnBrk="1" latinLnBrk="0" hangingPunct="1">
+      <a:defRPr sz="1200" kern="1200">
+        <a:solidFill>
+          <a:schemeClr val="tx1"/>
+        </a:solidFill>
+        <a:latin typeface="+mn-lt"/>
+        <a:ea typeface="+mn-ea"/>
+        <a:cs typeface="+mn-cs"/>
+      </a:defRPr>
+    </a:lvl1pPr>
+    <a:lvl2pPr marL="457200" algn="l" defTabSz="914400" rtl="0" eaLnBrk="1" latinLnBrk="0" hangingPunct="1">
+      <a:defRPr sz="1200" kern="1200">
+        <a:solidFill>
+          <a:schemeClr val="tx1"/>
+        </a:solidFill>
+        <a:latin typeface="+mn-lt"/>
+        <a:ea typeface="+mn-ea"/>
+        <a:cs typeface="+mn-cs"/>
+      </a:defRPr>
+    </a:lvl2pPr>
+    <a:lvl3pPr marL="914400" algn="l" defTabSz="914400" rtl="0" eaLnBrk="1" latinLnBrk="0" hangingPunct="1">
+      <a:defRPr sz="1200" kern="1200">
+        <a:solidFill>
+          <a:schemeClr val="tx1"/>
+        </a:solidFill>
+        <a:latin typeface="+mn-lt"/>
+        <a:ea typeface="+mn-ea"/>
+        <a:cs typeface="+mn-cs"/>
+      </a:defRPr>
+    </a:lvl3pPr>
+    <a:lvl4pPr marL="1371600" algn="l" defTabSz="914400" rtl="0" eaLnBrk="1" latinLnBrk="0" hangingPunct="1">
+      <a:defRPr sz="1200" kern="1200">
+        <a:solidFill>
+          <a:schemeClr val="tx1"/>
+        </a:solidFill>
+        <a:latin typeface="+mn-lt"/>
+        <a:ea typeface="+mn-ea"/>
+        <a:cs typeface="+mn-cs"/>
+      </a:defRPr>
+    </a:lvl4pPr>
+    <a:lvl5pPr marL="1828800" algn="l" defTabSz="914400" rtl="0" eaLnBrk="1" latinLnBrk="0" hangingPunct="1">
+      <a:defRPr sz="1200" kern="1200">
+        <a:solidFill>
+          <a:schemeClr val="tx1"/>
+        </a:solidFill>
+        <a:latin typeface="+mn-lt"/>
+        <a:ea typeface="+mn-ea"/>
+        <a:cs typeface="+mn-cs"/>
+      </a:defRPr>
+    </a:lvl5pPr>
+    <a:lvl6pPr marL="2286000" algn="l" defTabSz="914400" rtl="0" eaLnBrk="1" latinLnBrk="0" hangingPunct="1">
+      <a:defRPr sz="1200" kern="1200">
+        <a:solidFill>
+          <a:schemeClr val="tx1"/>
+        </a:solidFill>
+        <a:latin typeface="+mn-lt"/>
+        <a:ea typeface="+mn-ea"/>
+        <a:cs typeface="+mn-cs"/>
+      </a:defRPr>
+    </a:lvl6pPr>
+    <a:lvl7pPr marL="2743200" algn="l" defTabSz="914400" rtl="0" eaLnBrk="1" latinLnBrk="0" hangingPunct="1">
+      <a:defRPr sz="1200" kern="1200">
+        <a:solidFill>
+          <a:schemeClr val="tx1"/>
+        </a:solidFill>
+        <a:latin typeface="+mn-lt"/>
+        <a:ea typeface="+mn-ea"/>
+        <a:cs typeface="+mn-cs"/>
+      </a:defRPr>
+    </a:lvl7pPr>
+    <a:lvl8pPr marL="3200400" algn="l" defTabSz="914400" rtl="0" eaLnBrk="1" latinLnBrk="0" hangingPunct="1">
+      <a:defRPr sz="1200" kern="1200">
+        <a:solidFill>
+          <a:schemeClr val="tx1"/>
+        </a:solidFill>
+        <a:latin typeface="+mn-lt"/>
+        <a:ea typeface="+mn-ea"/>
+        <a:cs typeface="+mn-cs"/>
+      </a:defRPr>
+    </a:lvl8pPr>
+    <a:lvl9pPr marL="3657600" algn="l" defTabSz="914400" rtl="0" eaLnBrk="1" latinLnBrk="0" hangingPunct="1">
+      <a:defRPr sz="1200" kern="1200">
+        <a:solidFill>
+          <a:schemeClr val="tx1"/>
+        </a:solidFill>
+        <a:latin typeface="+mn-lt"/>
+        <a:ea typeface="+mn-ea"/>
+        <a:cs typeface="+mn-cs"/>
+      </a:defRPr>
+    </a:lvl9pPr>
+  </p:notesStyle>
+</p:notesMaster>
+</file>
+
+<file path=ppt/notesSlides/notesSlide1.xml><?xml version="1.0" encoding="utf-8"?>
+<p:notes xmlns:a="http://schemas.openxmlformats.org/drawingml/2006/main" xmlns:r="http://schemas.openxmlformats.org/officeDocument/2006/relationships" xmlns:p="http://schemas.openxmlformats.org/presentationml/2006/main">
+  <p:cSld>
+    <p:spTree>
+      <p:nvGrpSpPr>
+        <p:cNvPr id="1" name=""/>
+        <p:cNvGrpSpPr/>
+        <p:nvPr/>
+      </p:nvGrpSpPr>
+      <p:grpSpPr>
+        <a:xfrm>
+          <a:off x="0" y="0"/>
+          <a:ext cx="0" cy="0"/>
+          <a:chOff x="0" y="0"/>
+          <a:chExt cx="0" cy="0"/>
+        </a:xfrm>
+      </p:grpSpPr>
+      <p:sp>
+        <p:nvSpPr>
+          <p:cNvPr id="2" name="Slide Image Placeholder 1"/>
+          <p:cNvSpPr>
+            <a:spLocks noGrp="1" noRot="1" noChangeAspect="1"/>
+          </p:cNvSpPr>
+          <p:nvPr>
+            <p:ph type="sldImg"/>
+          </p:nvPr>
+        </p:nvSpPr>
+        <p:spPr/>
+      </p:sp>
+      <p:sp>
+        <p:nvSpPr>
+          <p:cNvPr id="3" name="Notes Placeholder 2"/>
+          <p:cNvSpPr>
+            <a:spLocks noGrp="1"/>
+          </p:cNvSpPr>
+          <p:nvPr>
+            <p:ph type="body" idx="1"/>
+          </p:nvPr>
+        </p:nvSpPr>
+        <p:spPr/>
+        <p:txBody>
+          <a:bodyPr/>
+          <a:lstStyle/>
+          <a:p>
+            <a:r>
+              <a:rPr lang="en-US" dirty="0" smtClean="0"/>
+              <a:t>- About</a:t>
+            </a:r>
+            <a:r>
+              <a:rPr lang="en-US" baseline="0" dirty="0" smtClean="0"/>
+              <a:t> </a:t>
+            </a:r>
+            <a:r>
+              <a:rPr lang="en-US" baseline="0" dirty="0" err="1" smtClean="0"/>
+              <a:t>Git</a:t>
+            </a:r>
+            <a:r>
+              <a:rPr lang="en-US" baseline="0" dirty="0" smtClean="0"/>
+              <a:t> itself only</a:t>
+            </a:r>
+          </a:p>
+          <a:p>
+            <a:pPr marL="0" marR="0" indent="0" algn="l" defTabSz="914400" rtl="0" eaLnBrk="1" fontAlgn="auto" latinLnBrk="0" hangingPunct="1">
+              <a:lnSpc>
+                <a:spcPct val="100000"/>
+              </a:lnSpc>
+              <a:spcBef>
+                <a:spcPts val="0"/>
+              </a:spcBef>
+              <a:spcAft>
+                <a:spcPts val="0"/>
+              </a:spcAft>
+              <a:buClrTx/>
+              <a:buSzTx/>
+              <a:buFontTx/>
+              <a:buNone/>
+              <a:tabLst/>
+              <a:defRPr/>
+            </a:pPr>
+            <a:r>
+              <a:rPr lang="en-US" baseline="0" dirty="0" smtClean="0"/>
+              <a:t>- Takeaway 1: Basic operations of </a:t>
+            </a:r>
+            <a:r>
+              <a:rPr lang="en-US" baseline="0" dirty="0" err="1" smtClean="0"/>
+              <a:t>Git</a:t>
+            </a:r>
+            <a:r>
+              <a:rPr lang="en-US" baseline="0" dirty="0" smtClean="0"/>
+              <a:t> CLI</a:t>
+            </a:r>
+            <a:endParaRPr lang="en-US" baseline="0" dirty="0" smtClean="0"/>
+          </a:p>
+          <a:p>
+            <a:r>
+              <a:rPr lang="en-US" baseline="0" dirty="0" smtClean="0"/>
+              <a:t>- Takeaway 2: Basic concepts of </a:t>
+            </a:r>
+            <a:r>
+              <a:rPr lang="en-US" baseline="0" dirty="0" err="1" smtClean="0"/>
+              <a:t>Git</a:t>
+            </a:r>
+            <a:endParaRPr lang="en-US" baseline="0" dirty="0" smtClean="0"/>
+          </a:p>
+        </p:txBody>
+      </p:sp>
+      <p:sp>
+        <p:nvSpPr>
+          <p:cNvPr id="4" name="Slide Number Placeholder 3"/>
+          <p:cNvSpPr>
+            <a:spLocks noGrp="1"/>
+          </p:cNvSpPr>
+          <p:nvPr>
+            <p:ph type="sldNum" sz="quarter" idx="10"/>
+          </p:nvPr>
+        </p:nvSpPr>
+        <p:spPr/>
+        <p:txBody>
+          <a:bodyPr/>
+          <a:lstStyle/>
+          <a:p>
+            <a:fld id="{38C6B4E5-8CCC-BB4F-A6BE-2515E47FE712}" type="slidenum">
+              <a:rPr lang="en-US" smtClean="0"/>
+              <a:t>1</a:t>
+            </a:fld>
+            <a:endParaRPr lang="en-US"/>
+          </a:p>
+        </p:txBody>
+      </p:sp>
+    </p:spTree>
+    <p:extLst>
+      <p:ext uri="{BB962C8B-B14F-4D97-AF65-F5344CB8AC3E}">
+        <p14:creationId xmlns:p14="http://schemas.microsoft.com/office/powerpoint/2010/main" val="1703167711"/>
+      </p:ext>
+    </p:extLst>
+  </p:cSld>
+  <p:clrMapOvr>
+    <a:masterClrMapping/>
+  </p:clrMapOvr>
+</p:notes>
 </file>
 
 <file path=ppt/slideLayouts/slideLayout1.xml><?xml version="1.0" encoding="utf-8"?>
@@ -7175,11 +7670,52 @@
             <p:ph type="body" idx="1"/>
           </p:nvPr>
         </p:nvSpPr>
-        <p:spPr/>
+        <p:spPr>
+          <a:xfrm>
+            <a:off x="3242930" y="5159781"/>
+            <a:ext cx="7456738" cy="951135"/>
+          </a:xfrm>
+        </p:spPr>
         <p:txBody>
           <a:bodyPr/>
           <a:lstStyle/>
           <a:p>
+            <a:r>
+              <a:rPr lang="en-US" dirty="0">
+                <a:hlinkClick r:id="rId2"/>
+              </a:rPr>
+              <a:t>https://</a:t>
+            </a:r>
+            <a:r>
+              <a:rPr lang="en-US" dirty="0" err="1">
+                <a:hlinkClick r:id="rId2"/>
+              </a:rPr>
+              <a:t>github.com</a:t>
+            </a:r>
+            <a:r>
+              <a:rPr lang="en-US" dirty="0">
+                <a:hlinkClick r:id="rId2"/>
+              </a:rPr>
+              <a:t>/</a:t>
+            </a:r>
+            <a:r>
+              <a:rPr lang="en-US" dirty="0" err="1">
+                <a:hlinkClick r:id="rId2"/>
+              </a:rPr>
+              <a:t>pswai</a:t>
+            </a:r>
+            <a:r>
+              <a:rPr lang="en-US" dirty="0">
+                <a:hlinkClick r:id="rId2"/>
+              </a:rPr>
+              <a:t>/learn-</a:t>
+            </a:r>
+            <a:r>
+              <a:rPr lang="en-US" dirty="0" err="1">
+                <a:hlinkClick r:id="rId2"/>
+              </a:rPr>
+              <a:t>git</a:t>
+            </a:r>
             <a:endParaRPr lang="en-US" dirty="0"/>
           </a:p>
         </p:txBody>
@@ -7443,6 +7979,13 @@
   <p:clrMapOvr>
     <a:masterClrMapping/>
   </p:clrMapOvr>
+  <p:timing>
+    <p:tnLst>
+      <p:par>
+        <p:cTn id="1" dur="indefinite" restart="never" nodeType="tmRoot"/>
+      </p:par>
+    </p:tnLst>
+  </p:timing>
 </p:sld>
 </file>
 
@@ -7524,6 +8067,23 @@
               <a:rPr lang="en-US" dirty="0" smtClean="0"/>
               <a:t>)</a:t>
             </a:r>
+          </a:p>
+          <a:p>
+            <a:r>
+              <a:rPr lang="en-US" dirty="0" smtClean="0"/>
+              <a:t>Most GUI are misleading</a:t>
+            </a:r>
+          </a:p>
+          <a:p>
+            <a:pPr lvl="1"/>
+            <a:r>
+              <a:rPr lang="en-US" dirty="0" smtClean="0"/>
+              <a:t>Attempt to use CVCS terminology (CVCS: Centralized Version Control System)</a:t>
+            </a:r>
+          </a:p>
+          <a:p>
+            <a:pPr lvl="1"/>
+            <a:endParaRPr lang="en-US" dirty="0" smtClean="0"/>
           </a:p>
           <a:p>
             <a:endParaRPr lang="en-US" dirty="0"/>
@@ -7666,7 +8226,7 @@
           </a:p>
           <a:p>
             <a:r>
-              <a:rPr lang="en-US" smtClean="0"/>
+              <a:rPr lang="en-US" dirty="0" err="1" smtClean="0"/>
               <a:t>git</a:t>
             </a:r>
             <a:r>
@@ -7697,6 +8257,13 @@
   <p:clrMapOvr>
     <a:masterClrMapping/>
   </p:clrMapOvr>
+  <p:timing>
+    <p:tnLst>
+      <p:par>
+        <p:cTn id="1" dur="indefinite" restart="never" nodeType="tmRoot"/>
+      </p:par>
+    </p:tnLst>
+  </p:timing>
 </p:sld>
 </file>
 
@@ -7773,6 +8340,13 @@
   <p:clrMapOvr>
     <a:masterClrMapping/>
   </p:clrMapOvr>
+  <p:timing>
+    <p:tnLst>
+      <p:par>
+        <p:cTn id="1" dur="indefinite" restart="never" nodeType="tmRoot"/>
+      </p:par>
+    </p:tnLst>
+  </p:timing>
 </p:sld>
 </file>
 
@@ -8427,4 +9001,265 @@
     </a:ext>
   </a:extLst>
 </a:theme>
+</file>
+
+<file path=ppt/theme/theme2.xml><?xml version="1.0" encoding="utf-8"?>
+<a:theme xmlns:a="http://schemas.openxmlformats.org/drawingml/2006/main" name="Office Theme">
+  <a:themeElements>
+    <a:clrScheme name="Office">
+      <a:dk1>
+        <a:sysClr val="windowText" lastClr="000000"/>
+      </a:dk1>
+      <a:lt1>
+        <a:sysClr val="window" lastClr="FFFFFF"/>
+      </a:lt1>
+      <a:dk2>
+        <a:srgbClr val="44546A"/>
+      </a:dk2>
+      <a:lt2>
+        <a:srgbClr val="E7E6E6"/>
+      </a:lt2>
+      <a:accent1>
+        <a:srgbClr val="5B9BD5"/>
+      </a:accent1>
+      <a:accent2>
+        <a:srgbClr val="ED7D31"/>
+      </a:accent2>
+      <a:accent3>
+        <a:srgbClr val="A5A5A5"/>
+      </a:accent3>
+      <a:accent4>
+        <a:srgbClr val="FFC000"/>
+      </a:accent4>
+      <a:accent5>
+        <a:srgbClr val="4472C4"/>
+      </a:accent5>
+      <a:accent6>
+        <a:srgbClr val="70AD47"/>
+      </a:accent6>
+      <a:hlink>
+        <a:srgbClr val="0563C1"/>
+      </a:hlink>
+      <a:folHlink>
+        <a:srgbClr val="954F72"/>
+      </a:folHlink>
+    </a:clrScheme>
+    <a:fontScheme name="Office">
+      <a:majorFont>
+        <a:latin typeface="Calibri Light" panose="020F0302020204030204"/>
+        <a:ea typeface=""/>
+        <a:cs typeface=""/>
+        <a:font script="Jpan" typeface="Yu Gothic Light"/>
+        <a:font script="Hang" typeface="맑은 고딕"/>
+        <a:font script="Hans" typeface="DengXian Light"/>
+        <a:font script="Hant" typeface="新細明體"/>
+        <a:font script="Arab" typeface="Times New Roman"/>
+        <a:font script="Hebr" typeface="Times New Roman"/>
+        <a:font script="Thai" typeface="Angsana New"/>
+        <a:font script="Ethi" typeface="Nyala"/>
+        <a:font script="Beng" typeface="Vrinda"/>
+        <a:font script="Gujr" typeface="Shruti"/>
+        <a:font script="Khmr" typeface="MoolBoran"/>
+        <a:font script="Knda" typeface="Tunga"/>
+        <a:font script="Guru" typeface="Raavi"/>
+        <a:font script="Cans" typeface="Euphemia"/>
+        <a:font script="Cher" typeface="Plantagenet Cherokee"/>
+        <a:font script="Yiii" typeface="Microsoft Yi Baiti"/>
+        <a:font script="Tibt" typeface="Microsoft Himalaya"/>
+        <a:font script="Thaa" typeface="MV Boli"/>
+        <a:font script="Deva" typeface="Mangal"/>
+        <a:font script="Telu" typeface="Gautami"/>
+        <a:font script="Taml" typeface="Latha"/>
+        <a:font script="Syrc" typeface="Estrangelo Edessa"/>
+        <a:font script="Orya" typeface="Kalinga"/>
+        <a:font script="Mlym" typeface="Kartika"/>
+        <a:font script="Laoo" typeface="DokChampa"/>
+        <a:font script="Sinh" typeface="Iskoola Pota"/>
+        <a:font script="Mong" typeface="Mongolian Baiti"/>
+        <a:font script="Viet" typeface="Times New Roman"/>
+        <a:font script="Uigh" typeface="Microsoft Uighur"/>
+        <a:font script="Geor" typeface="Sylfaen"/>
+      </a:majorFont>
+      <a:minorFont>
+        <a:latin typeface="Calibri" panose="020F0502020204030204"/>
+        <a:ea typeface=""/>
+        <a:cs typeface=""/>
+        <a:font script="Jpan" typeface="Yu Gothic"/>
+        <a:font script="Hang" typeface="맑은 고딕"/>
+        <a:font script="Hans" typeface="DengXian"/>
+        <a:font script="Hant" typeface="新細明體"/>
+        <a:font script="Arab" typeface="Arial"/>
+        <a:font script="Hebr" typeface="Arial"/>
+        <a:font script="Thai" typeface="Cordia New"/>
+        <a:font script="Ethi" typeface="Nyala"/>
+        <a:font script="Beng" typeface="Vrinda"/>
+        <a:font script="Gujr" typeface="Shruti"/>
+        <a:font script="Khmr" typeface="DaunPenh"/>
+        <a:font script="Knda" typeface="Tunga"/>
+        <a:font script="Guru" typeface="Raavi"/>
+        <a:font script="Cans" typeface="Euphemia"/>
+        <a:font script="Cher" typeface="Plantagenet Cherokee"/>
+        <a:font script="Yiii" typeface="Microsoft Yi Baiti"/>
+        <a:font script="Tibt" typeface="Microsoft Himalaya"/>
+        <a:font script="Thaa" typeface="MV Boli"/>
+        <a:font script="Deva" typeface="Mangal"/>
+        <a:font script="Telu" typeface="Gautami"/>
+        <a:font script="Taml" typeface="Latha"/>
+        <a:font script="Syrc" typeface="Estrangelo Edessa"/>
+        <a:font script="Orya" typeface="Kalinga"/>
+        <a:font script="Mlym" typeface="Kartika"/>
+        <a:font script="Laoo" typeface="DokChampa"/>
+        <a:font script="Sinh" typeface="Iskoola Pota"/>
+        <a:font script="Mong" typeface="Mongolian Baiti"/>
+        <a:font script="Viet" typeface="Arial"/>
+        <a:font script="Uigh" typeface="Microsoft Uighur"/>
+        <a:font script="Geor" typeface="Sylfaen"/>
+      </a:minorFont>
+    </a:fontScheme>
+    <a:fmtScheme name="Office">
+      <a:fillStyleLst>
+        <a:solidFill>
+          <a:schemeClr val="phClr"/>
+        </a:solidFill>
+        <a:gradFill rotWithShape="1">
+          <a:gsLst>
+            <a:gs pos="0">
+              <a:schemeClr val="phClr">
+                <a:lumMod val="110000"/>
+                <a:satMod val="105000"/>
+                <a:tint val="67000"/>
+              </a:schemeClr>
+            </a:gs>
+            <a:gs pos="50000">
+              <a:schemeClr val="phClr">
+                <a:lumMod val="105000"/>
+                <a:satMod val="103000"/>
+                <a:tint val="73000"/>
+              </a:schemeClr>
+            </a:gs>
+            <a:gs pos="100000">
+              <a:schemeClr val="phClr">
+                <a:lumMod val="105000"/>
+                <a:satMod val="109000"/>
+                <a:tint val="81000"/>
+              </a:schemeClr>
+            </a:gs>
+          </a:gsLst>
+          <a:lin ang="5400000" scaled="0"/>
+        </a:gradFill>
+        <a:gradFill rotWithShape="1">
+          <a:gsLst>
+            <a:gs pos="0">
+              <a:schemeClr val="phClr">
+                <a:satMod val="103000"/>
+                <a:lumMod val="102000"/>
+                <a:tint val="94000"/>
+              </a:schemeClr>
+            </a:gs>
+            <a:gs pos="50000">
+              <a:schemeClr val="phClr">
+                <a:satMod val="110000"/>
+                <a:lumMod val="100000"/>
+                <a:shade val="100000"/>
+              </a:schemeClr>
+            </a:gs>
+            <a:gs pos="100000">
+              <a:schemeClr val="phClr">
+                <a:lumMod val="99000"/>
+                <a:satMod val="120000"/>
+                <a:shade val="78000"/>
+              </a:schemeClr>
+            </a:gs>
+          </a:gsLst>
+          <a:lin ang="5400000" scaled="0"/>
+        </a:gradFill>
+      </a:fillStyleLst>
+      <a:lnStyleLst>
+        <a:ln w="6350" cap="flat" cmpd="sng" algn="ctr">
+          <a:solidFill>
+            <a:schemeClr val="phClr"/>
+          </a:solidFill>
+          <a:prstDash val="solid"/>
+          <a:miter lim="800000"/>
+        </a:ln>
+        <a:ln w="12700" cap="flat" cmpd="sng" algn="ctr">
+          <a:solidFill>
+            <a:schemeClr val="phClr"/>
+          </a:solidFill>
+          <a:prstDash val="solid"/>
+          <a:miter lim="800000"/>
+        </a:ln>
+        <a:ln w="19050" cap="flat" cmpd="sng" algn="ctr">
+          <a:solidFill>
+            <a:schemeClr val="phClr"/>
+          </a:solidFill>
+          <a:prstDash val="solid"/>
+          <a:miter lim="800000"/>
+        </a:ln>
+      </a:lnStyleLst>
+      <a:effectStyleLst>
+        <a:effectStyle>
+          <a:effectLst/>
+        </a:effectStyle>
+        <a:effectStyle>
+          <a:effectLst/>
+        </a:effectStyle>
+        <a:effectStyle>
+          <a:effectLst>
+            <a:outerShdw blurRad="57150" dist="19050" dir="5400000" algn="ctr" rotWithShape="0">
+              <a:srgbClr val="000000">
+                <a:alpha val="63000"/>
+              </a:srgbClr>
+            </a:outerShdw>
+          </a:effectLst>
+        </a:effectStyle>
+      </a:effectStyleLst>
+      <a:bgFillStyleLst>
+        <a:solidFill>
+          <a:schemeClr val="phClr"/>
+        </a:solidFill>
+        <a:solidFill>
+          <a:schemeClr val="phClr">
+            <a:tint val="95000"/>
+            <a:satMod val="170000"/>
+          </a:schemeClr>
+        </a:solidFill>
+        <a:gradFill rotWithShape="1">
+          <a:gsLst>
+            <a:gs pos="0">
+              <a:schemeClr val="phClr">
+                <a:tint val="93000"/>
+                <a:satMod val="150000"/>
+                <a:shade val="98000"/>
+                <a:lumMod val="102000"/>
+              </a:schemeClr>
+            </a:gs>
+            <a:gs pos="50000">
+              <a:schemeClr val="phClr">
+                <a:tint val="98000"/>
+                <a:satMod val="130000"/>
+                <a:shade val="90000"/>
+                <a:lumMod val="103000"/>
+              </a:schemeClr>
+            </a:gs>
+            <a:gs pos="100000">
+              <a:schemeClr val="phClr">
+                <a:shade val="63000"/>
+                <a:satMod val="120000"/>
+              </a:schemeClr>
+            </a:gs>
+          </a:gsLst>
+          <a:lin ang="5400000" scaled="0"/>
+        </a:gradFill>
+      </a:bgFillStyleLst>
+    </a:fmtScheme>
+  </a:themeElements>
+  <a:objectDefaults/>
+  <a:extraClrSchemeLst/>
+  <a:extLst>
+    <a:ext uri="{05A4C25C-085E-4340-85A3-A5531E510DB2}">
+      <thm15:themeFamily xmlns:thm15="http://schemas.microsoft.com/office/thememl/2012/main" name="Office Theme" id="{62F939B6-93AF-4DB8-9C6B-D6C7DFDC589F}" vid="{4A3C46E8-61CC-4603-A589-7422A47A8E4A}"/>
+    </a:ext>
+  </a:extLst>
+</a:theme>
 </file>
--- a/learn-git.pptx
+++ b/learn-git.pptx
@@ -5,21 +5,23 @@
     <p:sldMasterId id="2147483648" r:id="rId1"/>
   </p:sldMasterIdLst>
   <p:notesMasterIdLst>
-    <p:notesMasterId r:id="rId14"/>
+    <p:notesMasterId r:id="rId16"/>
   </p:notesMasterIdLst>
   <p:sldIdLst>
     <p:sldId id="256" r:id="rId2"/>
-    <p:sldId id="266" r:id="rId3"/>
-    <p:sldId id="267" r:id="rId4"/>
-    <p:sldId id="257" r:id="rId5"/>
-    <p:sldId id="269" r:id="rId6"/>
+    <p:sldId id="267" r:id="rId3"/>
+    <p:sldId id="257" r:id="rId4"/>
+    <p:sldId id="269" r:id="rId5"/>
+    <p:sldId id="266" r:id="rId6"/>
     <p:sldId id="268" r:id="rId7"/>
     <p:sldId id="258" r:id="rId8"/>
     <p:sldId id="262" r:id="rId9"/>
     <p:sldId id="260" r:id="rId10"/>
     <p:sldId id="261" r:id="rId11"/>
     <p:sldId id="263" r:id="rId12"/>
-    <p:sldId id="259" r:id="rId13"/>
+    <p:sldId id="270" r:id="rId13"/>
+    <p:sldId id="271" r:id="rId14"/>
+    <p:sldId id="259" r:id="rId15"/>
   </p:sldIdLst>
   <p:sldSz cx="12192000" cy="6858000"/>
   <p:notesSz cx="6858000" cy="9144000"/>
@@ -118,6 +120,11 @@
       </a:defRPr>
     </a:lvl9pPr>
   </p:defaultTextStyle>
+  <p:extLst>
+    <p:ext uri="{EFAFB233-063F-42B5-8137-9DF3F51BA10A}">
+      <p15:sldGuideLst xmlns:p15="http://schemas.microsoft.com/office/powerpoint/2012/main"/>
+    </p:ext>
+  </p:extLst>
 </p:presentation>
 </file>
 
@@ -562,7 +569,6 @@
               <a:rPr lang="en-US" baseline="0" dirty="0" smtClean="0"/>
               <a:t> CLI</a:t>
             </a:r>
-            <a:endParaRPr lang="en-US" baseline="0" dirty="0" smtClean="0"/>
           </a:p>
           <a:p>
             <a:r>
@@ -1825,7 +1831,7 @@
             <a:fld id="{9334D819-9F07-4261-B09B-9E467E5D9002}" type="datetimeFigureOut">
               <a:rPr lang="en-US" dirty="0"/>
               <a:pPr/>
-              <a:t>9/14/16</a:t>
+              <a:t>9/15/16</a:t>
             </a:fld>
             <a:endParaRPr lang="en-US" dirty="0"/>
           </a:p>
@@ -2059,7 +2065,7 @@
           <a:p>
             <a:fld id="{9334D819-9F07-4261-B09B-9E467E5D9002}" type="datetimeFigureOut">
               <a:rPr lang="en-US" dirty="0"/>
-              <a:t>9/14/16</a:t>
+              <a:t>9/15/16</a:t>
             </a:fld>
             <a:endParaRPr lang="en-US" dirty="0"/>
           </a:p>
@@ -2234,7 +2240,7 @@
           <a:p>
             <a:fld id="{9334D819-9F07-4261-B09B-9E467E5D9002}" type="datetimeFigureOut">
               <a:rPr lang="en-US" dirty="0"/>
-              <a:t>9/14/16</a:t>
+              <a:t>9/15/16</a:t>
             </a:fld>
             <a:endParaRPr lang="en-US" dirty="0"/>
           </a:p>
@@ -2399,7 +2405,7 @@
           <a:p>
             <a:fld id="{9334D819-9F07-4261-B09B-9E467E5D9002}" type="datetimeFigureOut">
               <a:rPr lang="en-US" dirty="0"/>
-              <a:t>9/14/16</a:t>
+              <a:t>9/15/16</a:t>
             </a:fld>
             <a:endParaRPr lang="en-US" dirty="0"/>
           </a:p>
@@ -2671,7 +2677,7 @@
             <a:fld id="{9334D819-9F07-4261-B09B-9E467E5D9002}" type="datetimeFigureOut">
               <a:rPr lang="en-US" dirty="0"/>
               <a:pPr/>
-              <a:t>9/14/16</a:t>
+              <a:t>9/15/16</a:t>
             </a:fld>
             <a:endParaRPr lang="en-US" dirty="0"/>
           </a:p>
@@ -3868,7 +3874,7 @@
           <a:p>
             <a:fld id="{9334D819-9F07-4261-B09B-9E467E5D9002}" type="datetimeFigureOut">
               <a:rPr lang="en-US" dirty="0"/>
-              <a:t>9/14/16</a:t>
+              <a:t>9/15/16</a:t>
             </a:fld>
             <a:endParaRPr lang="en-US" dirty="0"/>
           </a:p>
@@ -4253,7 +4259,7 @@
           <a:p>
             <a:fld id="{9334D819-9F07-4261-B09B-9E467E5D9002}" type="datetimeFigureOut">
               <a:rPr lang="en-US" dirty="0"/>
-              <a:t>9/14/16</a:t>
+              <a:t>9/15/16</a:t>
             </a:fld>
             <a:endParaRPr lang="en-US" dirty="0"/>
           </a:p>
@@ -4371,7 +4377,7 @@
           <a:p>
             <a:fld id="{9334D819-9F07-4261-B09B-9E467E5D9002}" type="datetimeFigureOut">
               <a:rPr lang="en-US" dirty="0"/>
-              <a:t>9/14/16</a:t>
+              <a:t>9/15/16</a:t>
             </a:fld>
             <a:endParaRPr lang="en-US" dirty="0"/>
           </a:p>
@@ -4461,7 +4467,7 @@
           <a:p>
             <a:fld id="{9334D819-9F07-4261-B09B-9E467E5D9002}" type="datetimeFigureOut">
               <a:rPr lang="en-US" dirty="0"/>
-              <a:t>9/14/16</a:t>
+              <a:t>9/15/16</a:t>
             </a:fld>
             <a:endParaRPr lang="en-US" dirty="0"/>
           </a:p>
@@ -5219,7 +5225,7 @@
           <a:p>
             <a:fld id="{9334D819-9F07-4261-B09B-9E467E5D9002}" type="datetimeFigureOut">
               <a:rPr lang="en-US" dirty="0"/>
-              <a:t>9/14/16</a:t>
+              <a:t>9/15/16</a:t>
             </a:fld>
             <a:endParaRPr lang="en-US" dirty="0"/>
           </a:p>
@@ -6054,7 +6060,7 @@
           <a:p>
             <a:fld id="{9334D819-9F07-4261-B09B-9E467E5D9002}" type="datetimeFigureOut">
               <a:rPr lang="en-US" dirty="0"/>
-              <a:t>9/14/16</a:t>
+              <a:t>9/15/16</a:t>
             </a:fld>
             <a:endParaRPr lang="en-US" dirty="0"/>
           </a:p>
@@ -6277,7 +6283,7 @@
             <a:fld id="{9334D819-9F07-4261-B09B-9E467E5D9002}" type="datetimeFigureOut">
               <a:rPr lang="en-US" dirty="0"/>
               <a:pPr/>
-              <a:t>9/14/16</a:t>
+              <a:t>9/15/16</a:t>
             </a:fld>
             <a:endParaRPr lang="en-US" dirty="0"/>
           </a:p>
@@ -7600,6 +7606,52 @@
           </a:prstGeom>
         </p:spPr>
       </p:pic>
+      <p:sp>
+        <p:nvSpPr>
+          <p:cNvPr id="3" name="TextBox 2"/>
+          <p:cNvSpPr txBox="1"/>
+          <p:nvPr/>
+        </p:nvSpPr>
+        <p:spPr>
+          <a:xfrm>
+            <a:off x="4504876" y="2086092"/>
+            <a:ext cx="3671198" cy="369332"/>
+          </a:xfrm>
+          <a:prstGeom prst="rect">
+            <a:avLst/>
+          </a:prstGeom>
+          <a:noFill/>
+        </p:spPr>
+        <p:txBody>
+          <a:bodyPr wrap="none" rtlCol="0">
+            <a:spAutoFit/>
+          </a:bodyPr>
+          <a:lstStyle/>
+          <a:p>
+            <a:r>
+              <a:rPr lang="en-US" dirty="0" err="1" smtClean="0">
+                <a:latin typeface="Menlo" charset="0"/>
+                <a:ea typeface="Menlo" charset="0"/>
+                <a:cs typeface="Menlo" charset="0"/>
+              </a:rPr>
+              <a:t>git</a:t>
+            </a:r>
+            <a:r>
+              <a:rPr lang="en-US" dirty="0" smtClean="0">
+                <a:latin typeface="Menlo" charset="0"/>
+                <a:ea typeface="Menlo" charset="0"/>
+                <a:cs typeface="Menlo" charset="0"/>
+              </a:rPr>
+              <a:t> branch testing master</a:t>
+            </a:r>
+            <a:endParaRPr lang="en-US" dirty="0">
+              <a:latin typeface="Menlo" charset="0"/>
+              <a:ea typeface="Menlo" charset="0"/>
+              <a:cs typeface="Menlo" charset="0"/>
+            </a:endParaRPr>
+          </a:p>
+        </p:txBody>
+      </p:sp>
     </p:spTree>
     <p:extLst>
       <p:ext uri="{BB962C8B-B14F-4D97-AF65-F5344CB8AC3E}">
@@ -7654,6 +7706,295 @@
           <a:p>
             <a:r>
               <a:rPr lang="en-US" dirty="0" smtClean="0"/>
+              <a:t>BRANCH – pointer to commit</a:t>
+            </a:r>
+            <a:endParaRPr lang="en-US" dirty="0"/>
+          </a:p>
+        </p:txBody>
+      </p:sp>
+      <p:pic>
+        <p:nvPicPr>
+          <p:cNvPr id="4" name="Content Placeholder 3"/>
+          <p:cNvPicPr>
+            <a:picLocks noGrp="1" noChangeAspect="1"/>
+          </p:cNvPicPr>
+          <p:nvPr>
+            <p:ph idx="1"/>
+          </p:nvPr>
+        </p:nvPicPr>
+        <p:blipFill rotWithShape="1">
+          <a:blip r:embed="rId2"/>
+          <a:srcRect b="28135"/>
+          <a:stretch/>
+        </p:blipFill>
+        <p:spPr>
+          <a:xfrm>
+            <a:off x="2835840" y="2666005"/>
+            <a:ext cx="7009998" cy="2891641"/>
+          </a:xfrm>
+          <a:prstGeom prst="rect">
+            <a:avLst/>
+          </a:prstGeom>
+        </p:spPr>
+      </p:pic>
+      <p:sp>
+        <p:nvSpPr>
+          <p:cNvPr id="6" name="TextBox 5"/>
+          <p:cNvSpPr txBox="1"/>
+          <p:nvPr/>
+        </p:nvSpPr>
+        <p:spPr>
+          <a:xfrm>
+            <a:off x="4505240" y="1623929"/>
+            <a:ext cx="3671198" cy="646331"/>
+          </a:xfrm>
+          <a:prstGeom prst="rect">
+            <a:avLst/>
+          </a:prstGeom>
+          <a:noFill/>
+        </p:spPr>
+        <p:txBody>
+          <a:bodyPr wrap="none" rtlCol="0">
+            <a:spAutoFit/>
+          </a:bodyPr>
+          <a:lstStyle/>
+          <a:p>
+            <a:r>
+              <a:rPr lang="en-US" smtClean="0">
+                <a:latin typeface="Menlo" charset="0"/>
+                <a:ea typeface="Menlo" charset="0"/>
+                <a:cs typeface="Menlo" charset="0"/>
+              </a:rPr>
+              <a:t>git</a:t>
+            </a:r>
+            <a:r>
+              <a:rPr lang="en-US" dirty="0" smtClean="0">
+                <a:latin typeface="Menlo" charset="0"/>
+                <a:ea typeface="Menlo" charset="0"/>
+                <a:cs typeface="Menlo" charset="0"/>
+              </a:rPr>
+              <a:t> checkout testing</a:t>
+            </a:r>
+          </a:p>
+          <a:p>
+            <a:r>
+              <a:rPr lang="en-US" dirty="0" err="1" smtClean="0">
+                <a:latin typeface="Menlo" charset="0"/>
+                <a:ea typeface="Menlo" charset="0"/>
+                <a:cs typeface="Menlo" charset="0"/>
+              </a:rPr>
+              <a:t>git</a:t>
+            </a:r>
+            <a:r>
+              <a:rPr lang="en-US" dirty="0" smtClean="0">
+                <a:latin typeface="Menlo" charset="0"/>
+                <a:ea typeface="Menlo" charset="0"/>
+                <a:cs typeface="Menlo" charset="0"/>
+              </a:rPr>
+              <a:t> commit –m “go go go!”</a:t>
+            </a:r>
+            <a:endParaRPr lang="en-US" dirty="0">
+              <a:latin typeface="Menlo" charset="0"/>
+              <a:ea typeface="Menlo" charset="0"/>
+              <a:cs typeface="Menlo" charset="0"/>
+            </a:endParaRPr>
+          </a:p>
+        </p:txBody>
+      </p:sp>
+    </p:spTree>
+    <p:extLst>
+      <p:ext uri="{BB962C8B-B14F-4D97-AF65-F5344CB8AC3E}">
+        <p14:creationId xmlns:p14="http://schemas.microsoft.com/office/powerpoint/2010/main" val="2034580077"/>
+      </p:ext>
+    </p:extLst>
+  </p:cSld>
+  <p:clrMapOvr>
+    <a:masterClrMapping/>
+  </p:clrMapOvr>
+</p:sld>
+</file>
+
+<file path=ppt/slides/slide13.xml><?xml version="1.0" encoding="utf-8"?>
+<p:sld xmlns:a="http://schemas.openxmlformats.org/drawingml/2006/main" xmlns:r="http://schemas.openxmlformats.org/officeDocument/2006/relationships" xmlns:p="http://schemas.openxmlformats.org/presentationml/2006/main">
+  <p:cSld>
+    <p:spTree>
+      <p:nvGrpSpPr>
+        <p:cNvPr id="1" name=""/>
+        <p:cNvGrpSpPr/>
+        <p:nvPr/>
+      </p:nvGrpSpPr>
+      <p:grpSpPr>
+        <a:xfrm>
+          <a:off x="0" y="0"/>
+          <a:ext cx="0" cy="0"/>
+          <a:chOff x="0" y="0"/>
+          <a:chExt cx="0" cy="0"/>
+        </a:xfrm>
+      </p:grpSpPr>
+      <p:sp>
+        <p:nvSpPr>
+          <p:cNvPr id="2" name="Title 1"/>
+          <p:cNvSpPr>
+            <a:spLocks noGrp="1"/>
+          </p:cNvSpPr>
+          <p:nvPr>
+            <p:ph type="title"/>
+          </p:nvPr>
+        </p:nvSpPr>
+        <p:spPr/>
+        <p:txBody>
+          <a:bodyPr/>
+          <a:lstStyle/>
+          <a:p>
+            <a:r>
+              <a:rPr lang="en-US" dirty="0" smtClean="0"/>
+              <a:t>Branch – the split road</a:t>
+            </a:r>
+            <a:endParaRPr lang="en-US" dirty="0"/>
+          </a:p>
+        </p:txBody>
+      </p:sp>
+      <p:pic>
+        <p:nvPicPr>
+          <p:cNvPr id="4" name="Content Placeholder 3"/>
+          <p:cNvPicPr>
+            <a:picLocks noGrp="1" noChangeAspect="1"/>
+          </p:cNvPicPr>
+          <p:nvPr>
+            <p:ph idx="1"/>
+          </p:nvPr>
+        </p:nvPicPr>
+        <p:blipFill rotWithShape="1">
+          <a:blip r:embed="rId2"/>
+          <a:srcRect t="20981"/>
+          <a:stretch/>
+        </p:blipFill>
+        <p:spPr>
+          <a:xfrm>
+            <a:off x="3211684" y="2636320"/>
+            <a:ext cx="6258309" cy="3778167"/>
+          </a:xfrm>
+          <a:prstGeom prst="rect">
+            <a:avLst/>
+          </a:prstGeom>
+        </p:spPr>
+      </p:pic>
+      <p:sp>
+        <p:nvSpPr>
+          <p:cNvPr id="5" name="TextBox 4"/>
+          <p:cNvSpPr txBox="1"/>
+          <p:nvPr/>
+        </p:nvSpPr>
+        <p:spPr>
+          <a:xfrm>
+            <a:off x="4505239" y="1609087"/>
+            <a:ext cx="3531736" cy="646331"/>
+          </a:xfrm>
+          <a:prstGeom prst="rect">
+            <a:avLst/>
+          </a:prstGeom>
+          <a:noFill/>
+        </p:spPr>
+        <p:txBody>
+          <a:bodyPr wrap="none" rtlCol="0">
+            <a:spAutoFit/>
+          </a:bodyPr>
+          <a:lstStyle/>
+          <a:p>
+            <a:r>
+              <a:rPr lang="en-US" dirty="0" err="1" smtClean="0">
+                <a:latin typeface="Menlo" charset="0"/>
+                <a:ea typeface="Menlo" charset="0"/>
+                <a:cs typeface="Menlo" charset="0"/>
+              </a:rPr>
+              <a:t>git</a:t>
+            </a:r>
+            <a:r>
+              <a:rPr lang="en-US" dirty="0" smtClean="0">
+                <a:latin typeface="Menlo" charset="0"/>
+                <a:ea typeface="Menlo" charset="0"/>
+                <a:cs typeface="Menlo" charset="0"/>
+              </a:rPr>
+              <a:t> checkout master</a:t>
+            </a:r>
+            <a:br>
+              <a:rPr lang="en-US" dirty="0" smtClean="0">
+                <a:latin typeface="Menlo" charset="0"/>
+                <a:ea typeface="Menlo" charset="0"/>
+                <a:cs typeface="Menlo" charset="0"/>
+              </a:rPr>
+            </a:br>
+            <a:r>
+              <a:rPr lang="en-US" dirty="0" err="1" smtClean="0">
+                <a:latin typeface="Menlo" charset="0"/>
+                <a:ea typeface="Menlo" charset="0"/>
+                <a:cs typeface="Menlo" charset="0"/>
+              </a:rPr>
+              <a:t>git</a:t>
+            </a:r>
+            <a:r>
+              <a:rPr lang="en-US" dirty="0" smtClean="0">
+                <a:latin typeface="Menlo" charset="0"/>
+                <a:ea typeface="Menlo" charset="0"/>
+                <a:cs typeface="Menlo" charset="0"/>
+              </a:rPr>
+              <a:t> commit –m “Goodbye!”</a:t>
+            </a:r>
+            <a:endParaRPr lang="en-US" dirty="0">
+              <a:latin typeface="Menlo" charset="0"/>
+              <a:ea typeface="Menlo" charset="0"/>
+              <a:cs typeface="Menlo" charset="0"/>
+            </a:endParaRPr>
+          </a:p>
+        </p:txBody>
+      </p:sp>
+    </p:spTree>
+    <p:extLst>
+      <p:ext uri="{BB962C8B-B14F-4D97-AF65-F5344CB8AC3E}">
+        <p14:creationId xmlns:p14="http://schemas.microsoft.com/office/powerpoint/2010/main" val="364513343"/>
+      </p:ext>
+    </p:extLst>
+  </p:cSld>
+  <p:clrMapOvr>
+    <a:masterClrMapping/>
+  </p:clrMapOvr>
+</p:sld>
+</file>
+
+<file path=ppt/slides/slide14.xml><?xml version="1.0" encoding="utf-8"?>
+<p:sld xmlns:a="http://schemas.openxmlformats.org/drawingml/2006/main" xmlns:r="http://schemas.openxmlformats.org/officeDocument/2006/relationships" xmlns:p="http://schemas.openxmlformats.org/presentationml/2006/main">
+  <p:cSld>
+    <p:spTree>
+      <p:nvGrpSpPr>
+        <p:cNvPr id="1" name=""/>
+        <p:cNvGrpSpPr/>
+        <p:nvPr/>
+      </p:nvGrpSpPr>
+      <p:grpSpPr>
+        <a:xfrm>
+          <a:off x="0" y="0"/>
+          <a:ext cx="0" cy="0"/>
+          <a:chOff x="0" y="0"/>
+          <a:chExt cx="0" cy="0"/>
+        </a:xfrm>
+      </p:grpSpPr>
+      <p:sp>
+        <p:nvSpPr>
+          <p:cNvPr id="2" name="Title 1"/>
+          <p:cNvSpPr>
+            <a:spLocks noGrp="1"/>
+          </p:cNvSpPr>
+          <p:nvPr>
+            <p:ph type="title"/>
+          </p:nvPr>
+        </p:nvSpPr>
+        <p:spPr/>
+        <p:txBody>
+          <a:bodyPr/>
+          <a:lstStyle/>
+          <a:p>
+            <a:r>
+              <a:rPr lang="en-US" dirty="0" smtClean="0"/>
               <a:t>Lets play!</a:t>
             </a:r>
             <a:endParaRPr lang="en-US" dirty="0"/>
@@ -7741,7 +8082,7 @@
 </file>
 
 <file path=ppt/slides/slide2.xml><?xml version="1.0" encoding="utf-8"?>
-<p:sld xmlns:a="http://schemas.openxmlformats.org/drawingml/2006/main" xmlns:r="http://schemas.openxmlformats.org/officeDocument/2006/relationships" xmlns:p="http://schemas.openxmlformats.org/presentationml/2006/main" show="0">
+<p:sld xmlns:a="http://schemas.openxmlformats.org/drawingml/2006/main" xmlns:r="http://schemas.openxmlformats.org/officeDocument/2006/relationships" xmlns:p="http://schemas.openxmlformats.org/presentationml/2006/main">
   <p:cSld>
     <p:spTree>
       <p:nvGrpSpPr>
@@ -7778,46 +8119,20 @@
             </a:r>
             <a:r>
               <a:rPr lang="en-US" dirty="0" smtClean="0"/>
-              <a:t> – this week</a:t>
+              <a:t> cli</a:t>
             </a:r>
             <a:endParaRPr lang="en-US" dirty="0"/>
           </a:p>
         </p:txBody>
       </p:sp>
-      <p:pic>
-        <p:nvPicPr>
-          <p:cNvPr id="5" name="Content Placeholder 4"/>
-          <p:cNvPicPr>
-            <a:picLocks noGrp="1" noChangeAspect="1"/>
-          </p:cNvPicPr>
-          <p:nvPr>
-            <p:ph idx="1"/>
-          </p:nvPr>
-        </p:nvPicPr>
-        <p:blipFill>
-          <a:blip r:embed="rId2"/>
-          <a:stretch>
-            <a:fillRect/>
-          </a:stretch>
-        </p:blipFill>
-        <p:spPr>
-          <a:xfrm>
-            <a:off x="2123454" y="920750"/>
-            <a:ext cx="3441354" cy="4984750"/>
-          </a:xfrm>
-          <a:prstGeom prst="rect">
-            <a:avLst/>
-          </a:prstGeom>
-        </p:spPr>
-      </p:pic>
-      <p:sp>
-        <p:nvSpPr>
-          <p:cNvPr id="4" name="Text Placeholder 3"/>
+      <p:sp>
+        <p:nvSpPr>
+          <p:cNvPr id="3" name="Text Placeholder 2"/>
           <p:cNvSpPr>
             <a:spLocks noGrp="1"/>
           </p:cNvSpPr>
           <p:nvPr>
-            <p:ph type="body" sz="half" idx="2"/>
+            <p:ph type="body" idx="1"/>
           </p:nvPr>
         </p:nvSpPr>
         <p:spPr/>
@@ -7825,65 +8140,32 @@
           <a:bodyPr/>
           <a:lstStyle/>
           <a:p>
+            <a:r>
+              <a:rPr lang="en-US" dirty="0" smtClean="0"/>
+              <a:t>Remember “nothing else but </a:t>
+            </a:r>
+            <a:r>
+              <a:rPr lang="en-US" dirty="0" err="1" smtClean="0"/>
+              <a:t>git</a:t>
+            </a:r>
+            <a:r>
+              <a:rPr lang="en-US" dirty="0" smtClean="0"/>
+              <a:t>”?</a:t>
+            </a:r>
             <a:endParaRPr lang="en-US" dirty="0"/>
-          </a:p>
-        </p:txBody>
-      </p:sp>
-      <p:sp>
-        <p:nvSpPr>
-          <p:cNvPr id="6" name="TextBox 5"/>
-          <p:cNvSpPr txBox="1"/>
-          <p:nvPr/>
-        </p:nvSpPr>
-        <p:spPr>
-          <a:xfrm>
-            <a:off x="5014012" y="6581001"/>
-            <a:ext cx="2364237" cy="276999"/>
-          </a:xfrm>
-          <a:prstGeom prst="rect">
-            <a:avLst/>
-          </a:prstGeom>
-          <a:noFill/>
-        </p:spPr>
-        <p:txBody>
-          <a:bodyPr wrap="none" rtlCol="0">
-            <a:spAutoFit/>
-          </a:bodyPr>
-          <a:lstStyle/>
-          <a:p>
-            <a:r>
-              <a:rPr lang="en-US" sz="1200" dirty="0"/>
-              <a:t>Image from https://</a:t>
-            </a:r>
-            <a:r>
-              <a:rPr lang="en-US" sz="1200" dirty="0" err="1"/>
-              <a:t>xkcd.com</a:t>
-            </a:r>
-            <a:r>
-              <a:rPr lang="en-US" sz="1200" dirty="0"/>
-              <a:t>/1597/</a:t>
-            </a:r>
           </a:p>
         </p:txBody>
       </p:sp>
     </p:spTree>
     <p:extLst>
       <p:ext uri="{BB962C8B-B14F-4D97-AF65-F5344CB8AC3E}">
-        <p14:creationId xmlns:p14="http://schemas.microsoft.com/office/powerpoint/2010/main" val="1932445958"/>
+        <p14:creationId xmlns:p14="http://schemas.microsoft.com/office/powerpoint/2010/main" val="795603692"/>
       </p:ext>
     </p:extLst>
   </p:cSld>
   <p:clrMapOvr>
     <a:masterClrMapping/>
   </p:clrMapOvr>
-  <mc:AlternateContent xmlns:mc="http://schemas.openxmlformats.org/markup-compatibility/2006">
-    <mc:Choice xmlns:p14="http://schemas.microsoft.com/office/powerpoint/2010/main" Requires="p14">
-      <p:transition spd="slow" p14:dur="2000"/>
-    </mc:Choice>
-    <mc:Fallback>
-      <p:transition spd="slow"/>
-    </mc:Fallback>
-  </mc:AlternateContent>
   <p:timing>
     <p:tnLst>
       <p:par>
@@ -7927,12 +8209,8 @@
           <a:lstStyle/>
           <a:p>
             <a:r>
-              <a:rPr lang="en-US" dirty="0" err="1" smtClean="0"/>
-              <a:t>Git</a:t>
-            </a:r>
-            <a:r>
               <a:rPr lang="en-US" dirty="0" smtClean="0"/>
-              <a:t> cli</a:t>
+              <a:t>Why command line?</a:t>
             </a:r>
             <a:endParaRPr lang="en-US" dirty="0"/>
           </a:p>
@@ -7940,12 +8218,12 @@
       </p:sp>
       <p:sp>
         <p:nvSpPr>
-          <p:cNvPr id="3" name="Text Placeholder 2"/>
+          <p:cNvPr id="3" name="Content Placeholder 2"/>
           <p:cNvSpPr>
             <a:spLocks noGrp="1"/>
           </p:cNvSpPr>
           <p:nvPr>
-            <p:ph type="body" idx="1"/>
+            <p:ph idx="1"/>
           </p:nvPr>
         </p:nvSpPr>
         <p:spPr/>
@@ -7955,16 +8233,46 @@
           <a:p>
             <a:r>
               <a:rPr lang="en-US" dirty="0" smtClean="0"/>
-              <a:t>Remember “nothing else but </a:t>
+              <a:t>The most powerful interface for </a:t>
             </a:r>
             <a:r>
               <a:rPr lang="en-US" dirty="0" err="1" smtClean="0"/>
-              <a:t>git</a:t>
-            </a:r>
+              <a:t>Git</a:t>
+            </a:r>
+            <a:endParaRPr lang="en-US" dirty="0" smtClean="0"/>
+          </a:p>
+          <a:p>
             <a:r>
               <a:rPr lang="en-US" dirty="0" smtClean="0"/>
-              <a:t>”?</a:t>
-            </a:r>
+              <a:t>The interface with most help (Stack Overflow, </a:t>
+            </a:r>
+            <a:r>
+              <a:rPr lang="en-US" dirty="0" err="1" smtClean="0"/>
+              <a:t>etc</a:t>
+            </a:r>
+            <a:r>
+              <a:rPr lang="en-US" dirty="0" smtClean="0"/>
+              <a:t>)</a:t>
+            </a:r>
+          </a:p>
+          <a:p>
+            <a:r>
+              <a:rPr lang="en-US" dirty="0" smtClean="0"/>
+              <a:t>Most GUI are misleading</a:t>
+            </a:r>
+          </a:p>
+          <a:p>
+            <a:pPr lvl="1"/>
+            <a:r>
+              <a:rPr lang="en-US" dirty="0" smtClean="0"/>
+              <a:t>Attempt to use CVCS terminology (CVCS: Centralized Version Control System)</a:t>
+            </a:r>
+          </a:p>
+          <a:p>
+            <a:pPr lvl="1"/>
+            <a:endParaRPr lang="en-US" dirty="0" smtClean="0"/>
+          </a:p>
+          <a:p>
             <a:endParaRPr lang="en-US" dirty="0"/>
           </a:p>
         </p:txBody>
@@ -7972,7 +8280,7 @@
     </p:spTree>
     <p:extLst>
       <p:ext uri="{BB962C8B-B14F-4D97-AF65-F5344CB8AC3E}">
-        <p14:creationId xmlns:p14="http://schemas.microsoft.com/office/powerpoint/2010/main" val="795603692"/>
+        <p14:creationId xmlns:p14="http://schemas.microsoft.com/office/powerpoint/2010/main" val="496753635"/>
       </p:ext>
     </p:extLst>
   </p:cSld>
@@ -8023,7 +8331,7 @@
           <a:p>
             <a:r>
               <a:rPr lang="en-US" dirty="0" smtClean="0"/>
-              <a:t>Why command line?</a:t>
+              <a:t>Common commands</a:t>
             </a:r>
             <a:endParaRPr lang="en-US" dirty="0"/>
           </a:p>
@@ -8045,47 +8353,83 @@
           <a:lstStyle/>
           <a:p>
             <a:r>
+              <a:rPr lang="en-US" dirty="0" err="1" smtClean="0"/>
+              <a:t>git</a:t>
+            </a:r>
+            <a:r>
               <a:rPr lang="en-US" dirty="0" smtClean="0"/>
-              <a:t>The most powerful interface for </a:t>
-            </a:r>
+              <a:t> add</a:t>
+            </a:r>
+          </a:p>
+          <a:p>
             <a:r>
               <a:rPr lang="en-US" dirty="0" err="1" smtClean="0"/>
-              <a:t>Git</a:t>
-            </a:r>
-            <a:endParaRPr lang="en-US" dirty="0" smtClean="0"/>
-          </a:p>
-          <a:p>
+              <a:t>git</a:t>
+            </a:r>
             <a:r>
               <a:rPr lang="en-US" dirty="0" smtClean="0"/>
-              <a:t>The interface with most help (Stack Overflow, </a:t>
-            </a:r>
+              <a:t> commit</a:t>
+            </a:r>
+          </a:p>
+          <a:p>
             <a:r>
               <a:rPr lang="en-US" dirty="0" err="1" smtClean="0"/>
-              <a:t>etc</a:t>
+              <a:t>git</a:t>
             </a:r>
             <a:r>
               <a:rPr lang="en-US" dirty="0" smtClean="0"/>
-              <a:t>)</a:t>
-            </a:r>
-          </a:p>
-          <a:p>
+              <a:t> checkout</a:t>
+            </a:r>
+          </a:p>
+          <a:p>
+            <a:r>
+              <a:rPr lang="en-US" dirty="0" err="1" smtClean="0"/>
+              <a:t>git</a:t>
+            </a:r>
             <a:r>
               <a:rPr lang="en-US" dirty="0" smtClean="0"/>
-              <a:t>Most GUI are misleading</a:t>
-            </a:r>
-          </a:p>
-          <a:p>
-            <a:pPr lvl="1"/>
+              <a:t> branch</a:t>
+            </a:r>
+          </a:p>
+          <a:p>
+            <a:r>
+              <a:rPr lang="en-US" dirty="0" err="1" smtClean="0"/>
+              <a:t>git</a:t>
+            </a:r>
             <a:r>
               <a:rPr lang="en-US" dirty="0" smtClean="0"/>
-              <a:t>Attempt to use CVCS terminology (CVCS: Centralized Version Control System)</a:t>
-            </a:r>
-          </a:p>
-          <a:p>
-            <a:pPr lvl="1"/>
-            <a:endParaRPr lang="en-US" dirty="0" smtClean="0"/>
-          </a:p>
-          <a:p>
+              <a:t> pull</a:t>
+            </a:r>
+          </a:p>
+          <a:p>
+            <a:r>
+              <a:rPr lang="en-US" dirty="0" err="1" smtClean="0"/>
+              <a:t>git</a:t>
+            </a:r>
+            <a:r>
+              <a:rPr lang="en-US" dirty="0" smtClean="0"/>
+              <a:t> push</a:t>
+            </a:r>
+          </a:p>
+          <a:p>
+            <a:r>
+              <a:rPr lang="en-US" dirty="0" err="1" smtClean="0"/>
+              <a:t>git</a:t>
+            </a:r>
+            <a:r>
+              <a:rPr lang="en-US" dirty="0" smtClean="0"/>
+              <a:t> status</a:t>
+            </a:r>
+          </a:p>
+          <a:p>
+            <a:r>
+              <a:rPr lang="en-US" dirty="0" err="1" smtClean="0"/>
+              <a:t>git</a:t>
+            </a:r>
+            <a:r>
+              <a:rPr lang="en-US" dirty="0" smtClean="0"/>
+              <a:t> log</a:t>
+            </a:r>
             <a:endParaRPr lang="en-US" dirty="0"/>
           </a:p>
         </p:txBody>
@@ -8093,7 +8437,7 @@
     </p:spTree>
     <p:extLst>
       <p:ext uri="{BB962C8B-B14F-4D97-AF65-F5344CB8AC3E}">
-        <p14:creationId xmlns:p14="http://schemas.microsoft.com/office/powerpoint/2010/main" val="496753635"/>
+        <p14:creationId xmlns:p14="http://schemas.microsoft.com/office/powerpoint/2010/main" val="510067392"/>
       </p:ext>
     </p:extLst>
   </p:cSld>
@@ -8111,7 +8455,7 @@
 </file>
 
 <file path=ppt/slides/slide5.xml><?xml version="1.0" encoding="utf-8"?>
-<p:sld xmlns:a="http://schemas.openxmlformats.org/drawingml/2006/main" xmlns:r="http://schemas.openxmlformats.org/officeDocument/2006/relationships" xmlns:p="http://schemas.openxmlformats.org/presentationml/2006/main">
+<p:sld xmlns:a="http://schemas.openxmlformats.org/drawingml/2006/main" xmlns:r="http://schemas.openxmlformats.org/officeDocument/2006/relationships" xmlns:p="http://schemas.openxmlformats.org/presentationml/2006/main" show="0">
   <p:cSld>
     <p:spTree>
       <p:nvGrpSpPr>
@@ -8143,21 +8487,51 @@
           <a:lstStyle/>
           <a:p>
             <a:r>
+              <a:rPr lang="en-US" dirty="0" err="1" smtClean="0"/>
+              <a:t>Git</a:t>
+            </a:r>
+            <a:r>
               <a:rPr lang="en-US" dirty="0" smtClean="0"/>
-              <a:t>Common commands</a:t>
+              <a:t> – this week</a:t>
             </a:r>
             <a:endParaRPr lang="en-US" dirty="0"/>
           </a:p>
         </p:txBody>
       </p:sp>
-      <p:sp>
-        <p:nvSpPr>
-          <p:cNvPr id="3" name="Content Placeholder 2"/>
+      <p:pic>
+        <p:nvPicPr>
+          <p:cNvPr id="5" name="Content Placeholder 4"/>
+          <p:cNvPicPr>
+            <a:picLocks noGrp="1" noChangeAspect="1"/>
+          </p:cNvPicPr>
+          <p:nvPr>
+            <p:ph idx="1"/>
+          </p:nvPr>
+        </p:nvPicPr>
+        <p:blipFill>
+          <a:blip r:embed="rId2"/>
+          <a:stretch>
+            <a:fillRect/>
+          </a:stretch>
+        </p:blipFill>
+        <p:spPr>
+          <a:xfrm>
+            <a:off x="2123454" y="920750"/>
+            <a:ext cx="3441354" cy="4984750"/>
+          </a:xfrm>
+          <a:prstGeom prst="rect">
+            <a:avLst/>
+          </a:prstGeom>
+        </p:spPr>
+      </p:pic>
+      <p:sp>
+        <p:nvSpPr>
+          <p:cNvPr id="4" name="Text Placeholder 3"/>
           <p:cNvSpPr>
             <a:spLocks noGrp="1"/>
           </p:cNvSpPr>
           <p:nvPr>
-            <p:ph idx="1"/>
+            <p:ph type="body" sz="half" idx="2"/>
           </p:nvPr>
         </p:nvSpPr>
         <p:spPr/>
@@ -8165,98 +8539,65 @@
           <a:bodyPr/>
           <a:lstStyle/>
           <a:p>
-            <a:r>
-              <a:rPr lang="en-US" dirty="0" err="1" smtClean="0"/>
-              <a:t>git</a:t>
-            </a:r>
-            <a:r>
-              <a:rPr lang="en-US" dirty="0" smtClean="0"/>
-              <a:t> add</a:t>
-            </a:r>
-          </a:p>
-          <a:p>
-            <a:r>
-              <a:rPr lang="en-US" dirty="0" err="1" smtClean="0"/>
-              <a:t>git</a:t>
-            </a:r>
-            <a:r>
-              <a:rPr lang="en-US" dirty="0" smtClean="0"/>
-              <a:t> commit</a:t>
-            </a:r>
-          </a:p>
-          <a:p>
-            <a:r>
-              <a:rPr lang="en-US" dirty="0" err="1" smtClean="0"/>
-              <a:t>git</a:t>
-            </a:r>
-            <a:r>
-              <a:rPr lang="en-US" dirty="0" smtClean="0"/>
-              <a:t> checkout</a:t>
-            </a:r>
-          </a:p>
-          <a:p>
-            <a:r>
-              <a:rPr lang="en-US" dirty="0" err="1" smtClean="0"/>
-              <a:t>git</a:t>
-            </a:r>
-            <a:r>
-              <a:rPr lang="en-US" dirty="0" smtClean="0"/>
-              <a:t> branch</a:t>
-            </a:r>
-          </a:p>
-          <a:p>
-            <a:r>
-              <a:rPr lang="en-US" dirty="0" err="1" smtClean="0"/>
-              <a:t>git</a:t>
-            </a:r>
-            <a:r>
-              <a:rPr lang="en-US" dirty="0" smtClean="0"/>
-              <a:t> pull</a:t>
-            </a:r>
-          </a:p>
-          <a:p>
-            <a:r>
-              <a:rPr lang="en-US" dirty="0" err="1" smtClean="0"/>
-              <a:t>git</a:t>
-            </a:r>
-            <a:r>
-              <a:rPr lang="en-US" dirty="0" smtClean="0"/>
-              <a:t> push</a:t>
-            </a:r>
-          </a:p>
-          <a:p>
-            <a:r>
-              <a:rPr lang="en-US" dirty="0" err="1" smtClean="0"/>
-              <a:t>git</a:t>
-            </a:r>
-            <a:r>
-              <a:rPr lang="en-US" dirty="0" smtClean="0"/>
-              <a:t> status</a:t>
-            </a:r>
-          </a:p>
-          <a:p>
-            <a:r>
-              <a:rPr lang="en-US" dirty="0" err="1" smtClean="0"/>
-              <a:t>git</a:t>
-            </a:r>
-            <a:r>
-              <a:rPr lang="en-US" dirty="0" smtClean="0"/>
-              <a:t> log</a:t>
-            </a:r>
             <a:endParaRPr lang="en-US" dirty="0"/>
+          </a:p>
+        </p:txBody>
+      </p:sp>
+      <p:sp>
+        <p:nvSpPr>
+          <p:cNvPr id="6" name="TextBox 5"/>
+          <p:cNvSpPr txBox="1"/>
+          <p:nvPr/>
+        </p:nvSpPr>
+        <p:spPr>
+          <a:xfrm>
+            <a:off x="5014012" y="6581001"/>
+            <a:ext cx="2364237" cy="276999"/>
+          </a:xfrm>
+          <a:prstGeom prst="rect">
+            <a:avLst/>
+          </a:prstGeom>
+          <a:noFill/>
+        </p:spPr>
+        <p:txBody>
+          <a:bodyPr wrap="none" rtlCol="0">
+            <a:spAutoFit/>
+          </a:bodyPr>
+          <a:lstStyle/>
+          <a:p>
+            <a:r>
+              <a:rPr lang="en-US" sz="1200" dirty="0"/>
+              <a:t>Image from https://</a:t>
+            </a:r>
+            <a:r>
+              <a:rPr lang="en-US" sz="1200" dirty="0" err="1"/>
+              <a:t>xkcd.com</a:t>
+            </a:r>
+            <a:r>
+              <a:rPr lang="en-US" sz="1200" dirty="0"/>
+              <a:t>/1597/</a:t>
+            </a:r>
           </a:p>
         </p:txBody>
       </p:sp>
     </p:spTree>
     <p:extLst>
       <p:ext uri="{BB962C8B-B14F-4D97-AF65-F5344CB8AC3E}">
-        <p14:creationId xmlns:p14="http://schemas.microsoft.com/office/powerpoint/2010/main" val="510067392"/>
+        <p14:creationId xmlns:p14="http://schemas.microsoft.com/office/powerpoint/2010/main" val="1932445958"/>
       </p:ext>
     </p:extLst>
   </p:cSld>
   <p:clrMapOvr>
     <a:masterClrMapping/>
   </p:clrMapOvr>
+  <mc:AlternateContent xmlns:mc="http://schemas.openxmlformats.org/markup-compatibility/2006">
+    <mc:Choice xmlns:p14="http://schemas.microsoft.com/office/powerpoint/2010/main" Requires="p14">
+      <p:transition spd="slow" p14:dur="2000"/>
+    </mc:Choice>
+    <mc:Fallback>
+      <p:transition spd="slow"/>
+    </mc:Fallback>
+  </mc:AlternateContent>
   <p:timing>
     <p:tnLst>
       <p:par>

--- a/learn-git.pptx
+++ b/learn-git.pptx
@@ -7801,6 +7801,59 @@
           </a:p>
         </p:txBody>
       </p:sp>
+      <p:sp>
+        <p:nvSpPr>
+          <p:cNvPr id="5" name="TextBox 4"/>
+          <p:cNvSpPr txBox="1"/>
+          <p:nvPr/>
+        </p:nvSpPr>
+        <p:spPr>
+          <a:xfrm>
+            <a:off x="7056564" y="6581001"/>
+            <a:ext cx="4917821" cy="276999"/>
+          </a:xfrm>
+          <a:prstGeom prst="rect">
+            <a:avLst/>
+          </a:prstGeom>
+          <a:noFill/>
+        </p:spPr>
+        <p:txBody>
+          <a:bodyPr wrap="none" rtlCol="0">
+            <a:spAutoFit/>
+          </a:bodyPr>
+          <a:lstStyle/>
+          <a:p>
+            <a:r>
+              <a:rPr lang="en-US" sz="1200" dirty="0"/>
+              <a:t>Image from https://</a:t>
+            </a:r>
+            <a:r>
+              <a:rPr lang="en-US" sz="1200" dirty="0" err="1"/>
+              <a:t>git-scm.com</a:t>
+            </a:r>
+            <a:r>
+              <a:rPr lang="en-US" sz="1200" dirty="0"/>
+              <a:t>/book/</a:t>
+            </a:r>
+            <a:r>
+              <a:rPr lang="en-US" sz="1200" dirty="0" err="1"/>
+              <a:t>en</a:t>
+            </a:r>
+            <a:r>
+              <a:rPr lang="en-US" sz="1200" dirty="0"/>
+              <a:t>/v1/</a:t>
+            </a:r>
+            <a:r>
+              <a:rPr lang="en-US" sz="1200" dirty="0" err="1"/>
+              <a:t>Git</a:t>
+            </a:r>
+            <a:r>
+              <a:rPr lang="en-US" sz="1200" dirty="0"/>
+              <a:t>-Branching-What-a-Branch-Is</a:t>
+            </a:r>
+          </a:p>
+        </p:txBody>
+      </p:sp>
     </p:spTree>
     <p:extLst>
       <p:ext uri="{BB962C8B-B14F-4D97-AF65-F5344CB8AC3E}">
@@ -7945,6 +7998,59 @@
               <a:ea typeface="Menlo" charset="0"/>
               <a:cs typeface="Menlo" charset="0"/>
             </a:endParaRPr>
+          </a:p>
+        </p:txBody>
+      </p:sp>
+      <p:sp>
+        <p:nvSpPr>
+          <p:cNvPr id="6" name="TextBox 5"/>
+          <p:cNvSpPr txBox="1"/>
+          <p:nvPr/>
+        </p:nvSpPr>
+        <p:spPr>
+          <a:xfrm>
+            <a:off x="7056564" y="6581001"/>
+            <a:ext cx="4917821" cy="276999"/>
+          </a:xfrm>
+          <a:prstGeom prst="rect">
+            <a:avLst/>
+          </a:prstGeom>
+          <a:noFill/>
+        </p:spPr>
+        <p:txBody>
+          <a:bodyPr wrap="none" rtlCol="0">
+            <a:spAutoFit/>
+          </a:bodyPr>
+          <a:lstStyle/>
+          <a:p>
+            <a:r>
+              <a:rPr lang="en-US" sz="1200" dirty="0"/>
+              <a:t>Image from https://</a:t>
+            </a:r>
+            <a:r>
+              <a:rPr lang="en-US" sz="1200" dirty="0" err="1"/>
+              <a:t>git-scm.com</a:t>
+            </a:r>
+            <a:r>
+              <a:rPr lang="en-US" sz="1200" dirty="0"/>
+              <a:t>/book/</a:t>
+            </a:r>
+            <a:r>
+              <a:rPr lang="en-US" sz="1200" dirty="0" err="1"/>
+              <a:t>en</a:t>
+            </a:r>
+            <a:r>
+              <a:rPr lang="en-US" sz="1200" dirty="0"/>
+              <a:t>/v1/</a:t>
+            </a:r>
+            <a:r>
+              <a:rPr lang="en-US" sz="1200" dirty="0" err="1"/>
+              <a:t>Git</a:t>
+            </a:r>
+            <a:r>
+              <a:rPr lang="en-US" sz="1200" dirty="0"/>
+              <a:t>-Branching-What-a-Branch-Is</a:t>
+            </a:r>
           </a:p>
         </p:txBody>
       </p:sp>
@@ -8349,7 +8455,9 @@
         </p:nvSpPr>
         <p:spPr/>
         <p:txBody>
-          <a:bodyPr/>
+          <a:bodyPr>
+            <a:normAutofit lnSpcReduction="10000"/>
+          </a:bodyPr>
           <a:lstStyle/>
           <a:p>
             <a:r>
@@ -8398,7 +8506,11 @@
             </a:r>
             <a:r>
               <a:rPr lang="en-US" dirty="0" smtClean="0"/>
-              <a:t> pull</a:t>
+              <a:t> </a:t>
+            </a:r>
+            <a:r>
+              <a:rPr lang="en-US" dirty="0" smtClean="0"/>
+              <a:t>status</a:t>
             </a:r>
           </a:p>
           <a:p>
@@ -8408,28 +8520,87 @@
             </a:r>
             <a:r>
               <a:rPr lang="en-US" dirty="0" smtClean="0"/>
+              <a:t> </a:t>
+            </a:r>
+            <a:r>
+              <a:rPr lang="en-US" dirty="0" smtClean="0"/>
+              <a:t>log</a:t>
+            </a:r>
+          </a:p>
+          <a:p>
+            <a:r>
+              <a:rPr lang="en-US" dirty="0" err="1" smtClean="0">
+                <a:solidFill>
+                  <a:schemeClr val="bg1">
+                    <a:lumMod val="75000"/>
+                  </a:schemeClr>
+                </a:solidFill>
+              </a:rPr>
+              <a:t>git</a:t>
+            </a:r>
+            <a:r>
+              <a:rPr lang="en-US" dirty="0" smtClean="0">
+                <a:solidFill>
+                  <a:schemeClr val="bg1">
+                    <a:lumMod val="75000"/>
+                  </a:schemeClr>
+                </a:solidFill>
+              </a:rPr>
+              <a:t> merge</a:t>
+            </a:r>
+            <a:endParaRPr lang="en-US" dirty="0" smtClean="0">
+              <a:solidFill>
+                <a:schemeClr val="bg1">
+                  <a:lumMod val="75000"/>
+                </a:schemeClr>
+              </a:solidFill>
+            </a:endParaRPr>
+          </a:p>
+          <a:p>
+            <a:r>
+              <a:rPr lang="en-US" dirty="0" err="1">
+                <a:solidFill>
+                  <a:schemeClr val="bg1">
+                    <a:lumMod val="75000"/>
+                  </a:schemeClr>
+                </a:solidFill>
+              </a:rPr>
+              <a:t>git</a:t>
+            </a:r>
+            <a:r>
+              <a:rPr lang="en-US" dirty="0">
+                <a:solidFill>
+                  <a:schemeClr val="bg1">
+                    <a:lumMod val="75000"/>
+                  </a:schemeClr>
+                </a:solidFill>
+              </a:rPr>
+              <a:t> pull</a:t>
+            </a:r>
+          </a:p>
+          <a:p>
+            <a:r>
+              <a:rPr lang="en-US" dirty="0" err="1">
+                <a:solidFill>
+                  <a:schemeClr val="bg1">
+                    <a:lumMod val="75000"/>
+                  </a:schemeClr>
+                </a:solidFill>
+              </a:rPr>
+              <a:t>git</a:t>
+            </a:r>
+            <a:r>
+              <a:rPr lang="en-US" dirty="0">
+                <a:solidFill>
+                  <a:schemeClr val="bg1">
+                    <a:lumMod val="75000"/>
+                  </a:schemeClr>
+                </a:solidFill>
+              </a:rPr>
               <a:t> push</a:t>
             </a:r>
           </a:p>
           <a:p>
-            <a:r>
-              <a:rPr lang="en-US" dirty="0" err="1" smtClean="0"/>
-              <a:t>git</a:t>
-            </a:r>
-            <a:r>
-              <a:rPr lang="en-US" dirty="0" smtClean="0"/>
-              <a:t> status</a:t>
-            </a:r>
-          </a:p>
-          <a:p>
-            <a:r>
-              <a:rPr lang="en-US" dirty="0" err="1" smtClean="0"/>
-              <a:t>git</a:t>
-            </a:r>
-            <a:r>
-              <a:rPr lang="en-US" dirty="0" smtClean="0"/>
-              <a:t> log</a:t>
-            </a:r>
             <a:endParaRPr lang="en-US" dirty="0"/>
           </a:p>
         </p:txBody>

--- a/learn-git.pptx
+++ b/learn-git.pptx
@@ -5,7 +5,7 @@
     <p:sldMasterId id="2147483648" r:id="rId1"/>
   </p:sldMasterIdLst>
   <p:notesMasterIdLst>
-    <p:notesMasterId r:id="rId16"/>
+    <p:notesMasterId r:id="rId18"/>
   </p:notesMasterIdLst>
   <p:sldIdLst>
     <p:sldId id="256" r:id="rId2"/>
@@ -22,6 +22,8 @@
     <p:sldId id="270" r:id="rId13"/>
     <p:sldId id="271" r:id="rId14"/>
     <p:sldId id="259" r:id="rId15"/>
+    <p:sldId id="272" r:id="rId16"/>
+    <p:sldId id="273" r:id="rId17"/>
   </p:sldIdLst>
   <p:sldSz cx="12192000" cy="6858000"/>
   <p:notesSz cx="6858000" cy="9144000"/>
@@ -8187,6 +8189,231 @@
 </p:sld>
 </file>
 
+<file path=ppt/slides/slide15.xml><?xml version="1.0" encoding="utf-8"?>
+<p:sld xmlns:a="http://schemas.openxmlformats.org/drawingml/2006/main" xmlns:r="http://schemas.openxmlformats.org/officeDocument/2006/relationships" xmlns:p="http://schemas.openxmlformats.org/presentationml/2006/main">
+  <p:cSld>
+    <p:spTree>
+      <p:nvGrpSpPr>
+        <p:cNvPr id="1" name=""/>
+        <p:cNvGrpSpPr/>
+        <p:nvPr/>
+      </p:nvGrpSpPr>
+      <p:grpSpPr>
+        <a:xfrm>
+          <a:off x="0" y="0"/>
+          <a:ext cx="0" cy="0"/>
+          <a:chOff x="0" y="0"/>
+          <a:chExt cx="0" cy="0"/>
+        </a:xfrm>
+      </p:grpSpPr>
+      <p:sp>
+        <p:nvSpPr>
+          <p:cNvPr id="2" name="Title 1"/>
+          <p:cNvSpPr>
+            <a:spLocks noGrp="1"/>
+          </p:cNvSpPr>
+          <p:nvPr>
+            <p:ph type="title"/>
+          </p:nvPr>
+        </p:nvSpPr>
+        <p:spPr/>
+        <p:txBody>
+          <a:bodyPr/>
+          <a:lstStyle/>
+          <a:p>
+            <a:r>
+              <a:rPr lang="en-US" dirty="0" smtClean="0"/>
+              <a:t>Resources</a:t>
+            </a:r>
+            <a:endParaRPr lang="en-US" dirty="0"/>
+          </a:p>
+        </p:txBody>
+      </p:sp>
+      <p:sp>
+        <p:nvSpPr>
+          <p:cNvPr id="3" name="Content Placeholder 2"/>
+          <p:cNvSpPr>
+            <a:spLocks noGrp="1"/>
+          </p:cNvSpPr>
+          <p:nvPr>
+            <p:ph idx="1"/>
+          </p:nvPr>
+        </p:nvSpPr>
+        <p:spPr/>
+        <p:txBody>
+          <a:bodyPr/>
+          <a:lstStyle/>
+          <a:p>
+            <a:r>
+              <a:rPr lang="en-US" dirty="0" smtClean="0"/>
+              <a:t>Pro </a:t>
+            </a:r>
+            <a:r>
+              <a:rPr lang="en-US" dirty="0" err="1" smtClean="0"/>
+              <a:t>Git</a:t>
+            </a:r>
+            <a:r>
+              <a:rPr lang="en-US" dirty="0" smtClean="0"/>
+              <a:t> (Book) </a:t>
+            </a:r>
+            <a:r>
+              <a:rPr lang="en-US" dirty="0"/>
+              <a:t>- </a:t>
+            </a:r>
+            <a:r>
+              <a:rPr lang="en-US" dirty="0">
+                <a:hlinkClick r:id="rId2"/>
+              </a:rPr>
+              <a:t>https://</a:t>
+            </a:r>
+            <a:r>
+              <a:rPr lang="en-US" dirty="0" smtClean="0">
+                <a:hlinkClick r:id="rId2"/>
+              </a:rPr>
+              <a:t>git-scm.com/book/en/v2</a:t>
+            </a:r>
+            <a:endParaRPr lang="en-US" dirty="0" smtClean="0"/>
+          </a:p>
+          <a:p>
+            <a:r>
+              <a:rPr lang="en-US" dirty="0"/>
+              <a:t>The small game - </a:t>
+            </a:r>
+            <a:r>
+              <a:rPr lang="en-US" dirty="0">
+                <a:hlinkClick r:id="rId3"/>
+              </a:rPr>
+              <a:t>https://</a:t>
+            </a:r>
+            <a:r>
+              <a:rPr lang="en-US" dirty="0" smtClean="0">
+                <a:hlinkClick r:id="rId3"/>
+              </a:rPr>
+              <a:t>github.com/pswai/learn-git</a:t>
+            </a:r>
+            <a:endParaRPr lang="en-US" dirty="0" smtClean="0"/>
+          </a:p>
+          <a:p>
+            <a:r>
+              <a:rPr lang="en-US" dirty="0" err="1" smtClean="0"/>
+              <a:t>Git</a:t>
+            </a:r>
+            <a:r>
+              <a:rPr lang="en-US" dirty="0" smtClean="0"/>
+              <a:t> </a:t>
+            </a:r>
+            <a:r>
+              <a:rPr lang="en-US" dirty="0" err="1" smtClean="0"/>
+              <a:t>cheatsheet</a:t>
+            </a:r>
+            <a:r>
+              <a:rPr lang="en-US" dirty="0"/>
+              <a:t> - </a:t>
+            </a:r>
+            <a:r>
+              <a:rPr lang="en-US" dirty="0">
+                <a:hlinkClick r:id="rId4"/>
+              </a:rPr>
+              <a:t>https://</a:t>
+            </a:r>
+            <a:r>
+              <a:rPr lang="en-US" dirty="0" smtClean="0">
+                <a:hlinkClick r:id="rId4"/>
+              </a:rPr>
+              <a:t>services.github.com/kit/downloads/github-git-cheat-sheet.pdf</a:t>
+            </a:r>
+            <a:endParaRPr lang="en-US" dirty="0" smtClean="0"/>
+          </a:p>
+          <a:p>
+            <a:endParaRPr lang="en-US" dirty="0"/>
+          </a:p>
+        </p:txBody>
+      </p:sp>
+    </p:spTree>
+    <p:extLst>
+      <p:ext uri="{BB962C8B-B14F-4D97-AF65-F5344CB8AC3E}">
+        <p14:creationId xmlns:p14="http://schemas.microsoft.com/office/powerpoint/2010/main" val="543777433"/>
+      </p:ext>
+    </p:extLst>
+  </p:cSld>
+  <p:clrMapOvr>
+    <a:masterClrMapping/>
+  </p:clrMapOvr>
+</p:sld>
+</file>
+
+<file path=ppt/slides/slide16.xml><?xml version="1.0" encoding="utf-8"?>
+<p:sld xmlns:a="http://schemas.openxmlformats.org/drawingml/2006/main" xmlns:r="http://schemas.openxmlformats.org/officeDocument/2006/relationships" xmlns:p="http://schemas.openxmlformats.org/presentationml/2006/main">
+  <p:cSld>
+    <p:spTree>
+      <p:nvGrpSpPr>
+        <p:cNvPr id="1" name=""/>
+        <p:cNvGrpSpPr/>
+        <p:nvPr/>
+      </p:nvGrpSpPr>
+      <p:grpSpPr>
+        <a:xfrm>
+          <a:off x="0" y="0"/>
+          <a:ext cx="0" cy="0"/>
+          <a:chOff x="0" y="0"/>
+          <a:chExt cx="0" cy="0"/>
+        </a:xfrm>
+      </p:grpSpPr>
+      <p:sp>
+        <p:nvSpPr>
+          <p:cNvPr id="2" name="Title 1"/>
+          <p:cNvSpPr>
+            <a:spLocks noGrp="1"/>
+          </p:cNvSpPr>
+          <p:nvPr>
+            <p:ph type="title"/>
+          </p:nvPr>
+        </p:nvSpPr>
+        <p:spPr/>
+        <p:txBody>
+          <a:bodyPr/>
+          <a:lstStyle/>
+          <a:p>
+            <a:r>
+              <a:rPr lang="en-US" dirty="0" smtClean="0"/>
+              <a:t>QUESTIONs?</a:t>
+            </a:r>
+            <a:endParaRPr lang="en-US" dirty="0"/>
+          </a:p>
+        </p:txBody>
+      </p:sp>
+      <p:sp>
+        <p:nvSpPr>
+          <p:cNvPr id="3" name="Text Placeholder 2"/>
+          <p:cNvSpPr>
+            <a:spLocks noGrp="1"/>
+          </p:cNvSpPr>
+          <p:nvPr>
+            <p:ph type="body" idx="1"/>
+          </p:nvPr>
+        </p:nvSpPr>
+        <p:spPr/>
+        <p:txBody>
+          <a:bodyPr/>
+          <a:lstStyle/>
+          <a:p>
+            <a:endParaRPr lang="en-US"/>
+          </a:p>
+        </p:txBody>
+      </p:sp>
+    </p:spTree>
+    <p:extLst>
+      <p:ext uri="{BB962C8B-B14F-4D97-AF65-F5344CB8AC3E}">
+        <p14:creationId xmlns:p14="http://schemas.microsoft.com/office/powerpoint/2010/main" val="2098455748"/>
+      </p:ext>
+    </p:extLst>
+  </p:cSld>
+  <p:clrMapOvr>
+    <a:masterClrMapping/>
+  </p:clrMapOvr>
+</p:sld>
+</file>
+
 <file path=ppt/slides/slide2.xml><?xml version="1.0" encoding="utf-8"?>
 <p:sld xmlns:a="http://schemas.openxmlformats.org/drawingml/2006/main" xmlns:r="http://schemas.openxmlformats.org/officeDocument/2006/relationships" xmlns:p="http://schemas.openxmlformats.org/presentationml/2006/main">
   <p:cSld>
@@ -8506,11 +8733,7 @@
             </a:r>
             <a:r>
               <a:rPr lang="en-US" dirty="0" smtClean="0"/>
-              <a:t> </a:t>
-            </a:r>
-            <a:r>
-              <a:rPr lang="en-US" dirty="0" smtClean="0"/>
-              <a:t>status</a:t>
+              <a:t> status</a:t>
             </a:r>
           </a:p>
           <a:p>
@@ -8520,11 +8743,7 @@
             </a:r>
             <a:r>
               <a:rPr lang="en-US" dirty="0" smtClean="0"/>
-              <a:t> </a:t>
-            </a:r>
-            <a:r>
-              <a:rPr lang="en-US" dirty="0" smtClean="0"/>
-              <a:t>log</a:t>
+              <a:t> log</a:t>
             </a:r>
           </a:p>
           <a:p>
@@ -8548,13 +8767,6 @@
               </a:rPr>
               <a:t> merge</a:t>
             </a:r>
-            <a:endParaRPr lang="en-US" dirty="0" smtClean="0">
-              <a:solidFill>
-                <a:schemeClr val="bg1">
-                  <a:lumMod val="75000"/>
-                </a:schemeClr>
-              </a:solidFill>
-            </a:endParaRPr>
           </a:p>
           <a:p>
             <a:r>

--- a/learn-git.pptx
+++ b/learn-git.pptx
@@ -8874,8 +8874,12 @@
               <a:t>Git</a:t>
             </a:r>
             <a:r>
+              <a:rPr lang="en-US" dirty="0"/>
+              <a:t> </a:t>
+            </a:r>
+            <a:r>
               <a:rPr lang="en-US" dirty="0" smtClean="0"/>
-              <a:t> – this week</a:t>
+              <a:t>– right now</a:t>
             </a:r>
             <a:endParaRPr lang="en-US" dirty="0"/>
           </a:p>

--- a/learn-git.pptx
+++ b/learn-git.pptx
@@ -5,25 +5,24 @@
     <p:sldMasterId id="2147483648" r:id="rId1"/>
   </p:sldMasterIdLst>
   <p:notesMasterIdLst>
-    <p:notesMasterId r:id="rId18"/>
+    <p:notesMasterId r:id="rId17"/>
   </p:notesMasterIdLst>
   <p:sldIdLst>
     <p:sldId id="256" r:id="rId2"/>
     <p:sldId id="267" r:id="rId3"/>
     <p:sldId id="257" r:id="rId4"/>
     <p:sldId id="269" r:id="rId5"/>
-    <p:sldId id="266" r:id="rId6"/>
-    <p:sldId id="268" r:id="rId7"/>
-    <p:sldId id="258" r:id="rId8"/>
-    <p:sldId id="262" r:id="rId9"/>
-    <p:sldId id="260" r:id="rId10"/>
-    <p:sldId id="261" r:id="rId11"/>
-    <p:sldId id="263" r:id="rId12"/>
-    <p:sldId id="270" r:id="rId13"/>
-    <p:sldId id="271" r:id="rId14"/>
-    <p:sldId id="259" r:id="rId15"/>
-    <p:sldId id="272" r:id="rId16"/>
-    <p:sldId id="273" r:id="rId17"/>
+    <p:sldId id="268" r:id="rId6"/>
+    <p:sldId id="258" r:id="rId7"/>
+    <p:sldId id="262" r:id="rId8"/>
+    <p:sldId id="260" r:id="rId9"/>
+    <p:sldId id="261" r:id="rId10"/>
+    <p:sldId id="263" r:id="rId11"/>
+    <p:sldId id="270" r:id="rId12"/>
+    <p:sldId id="271" r:id="rId13"/>
+    <p:sldId id="259" r:id="rId14"/>
+    <p:sldId id="272" r:id="rId15"/>
+    <p:sldId id="273" r:id="rId16"/>
   </p:sldIdLst>
   <p:sldSz cx="12192000" cy="6858000"/>
   <p:notesSz cx="6858000" cy="9144000"/>
@@ -7390,32 +7389,6 @@
           </a:p>
         </p:txBody>
       </p:sp>
-      <p:pic>
-        <p:nvPicPr>
-          <p:cNvPr id="4" name="Content Placeholder 3"/>
-          <p:cNvPicPr>
-            <a:picLocks noGrp="1" noChangeAspect="1"/>
-          </p:cNvPicPr>
-          <p:nvPr>
-            <p:ph idx="1"/>
-          </p:nvPr>
-        </p:nvPicPr>
-        <p:blipFill>
-          <a:blip r:embed="rId2"/>
-          <a:stretch>
-            <a:fillRect/>
-          </a:stretch>
-        </p:blipFill>
-        <p:spPr>
-          <a:xfrm>
-            <a:off x="3165475" y="2489200"/>
-            <a:ext cx="6350000" cy="3187700"/>
-          </a:xfrm>
-          <a:prstGeom prst="rect">
-            <a:avLst/>
-          </a:prstGeom>
-        </p:spPr>
-      </p:pic>
       <p:sp>
         <p:nvSpPr>
           <p:cNvPr id="5" name="TextBox 4"/>
@@ -7469,10 +7442,82 @@
           </a:p>
         </p:txBody>
       </p:sp>
+      <p:pic>
+        <p:nvPicPr>
+          <p:cNvPr id="7" name="Content Placeholder 6"/>
+          <p:cNvPicPr>
+            <a:picLocks noGrp="1" noChangeAspect="1"/>
+          </p:cNvPicPr>
+          <p:nvPr>
+            <p:ph idx="1"/>
+          </p:nvPr>
+        </p:nvPicPr>
+        <p:blipFill>
+          <a:blip r:embed="rId2"/>
+          <a:stretch>
+            <a:fillRect/>
+          </a:stretch>
+        </p:blipFill>
+        <p:spPr>
+          <a:xfrm>
+            <a:off x="3514725" y="2667000"/>
+            <a:ext cx="5651500" cy="2832100"/>
+          </a:xfrm>
+          <a:prstGeom prst="rect">
+            <a:avLst/>
+          </a:prstGeom>
+        </p:spPr>
+      </p:pic>
+      <p:sp>
+        <p:nvSpPr>
+          <p:cNvPr id="3" name="TextBox 2"/>
+          <p:cNvSpPr txBox="1"/>
+          <p:nvPr/>
+        </p:nvSpPr>
+        <p:spPr>
+          <a:xfrm>
+            <a:off x="4504876" y="2086092"/>
+            <a:ext cx="3671198" cy="369332"/>
+          </a:xfrm>
+          <a:prstGeom prst="rect">
+            <a:avLst/>
+          </a:prstGeom>
+          <a:noFill/>
+        </p:spPr>
+        <p:txBody>
+          <a:bodyPr wrap="none" rtlCol="0">
+            <a:spAutoFit/>
+          </a:bodyPr>
+          <a:lstStyle/>
+          <a:p>
+            <a:r>
+              <a:rPr lang="en-US" dirty="0" err="1" smtClean="0">
+                <a:latin typeface="Menlo" charset="0"/>
+                <a:ea typeface="Menlo" charset="0"/>
+                <a:cs typeface="Menlo" charset="0"/>
+              </a:rPr>
+              <a:t>git</a:t>
+            </a:r>
+            <a:r>
+              <a:rPr lang="en-US" dirty="0" smtClean="0">
+                <a:latin typeface="Menlo" charset="0"/>
+                <a:ea typeface="Menlo" charset="0"/>
+                <a:cs typeface="Menlo" charset="0"/>
+              </a:rPr>
+              <a:t> branch testing master</a:t>
+            </a:r>
+            <a:endParaRPr lang="en-US" dirty="0">
+              <a:latin typeface="Menlo" charset="0"/>
+              <a:ea typeface="Menlo" charset="0"/>
+              <a:cs typeface="Menlo" charset="0"/>
+            </a:endParaRPr>
+          </a:p>
+        </p:txBody>
+      </p:sp>
     </p:spTree>
     <p:extLst>
       <p:ext uri="{BB962C8B-B14F-4D97-AF65-F5344CB8AC3E}">
-        <p14:creationId xmlns:p14="http://schemas.microsoft.com/office/powerpoint/2010/main" val="1279689548"/>
+        <p14:creationId xmlns:p14="http://schemas.microsoft.com/office/powerpoint/2010/main" val="1771538119"/>
       </p:ext>
     </p:extLst>
   </p:cSld>
@@ -7523,9 +7568,98 @@
           <a:p>
             <a:r>
               <a:rPr lang="en-US" dirty="0" smtClean="0"/>
-              <a:t>Branch – pointer to commit</a:t>
+              <a:t>BRANCH – pointer to commit</a:t>
             </a:r>
             <a:endParaRPr lang="en-US" dirty="0"/>
+          </a:p>
+        </p:txBody>
+      </p:sp>
+      <p:pic>
+        <p:nvPicPr>
+          <p:cNvPr id="4" name="Content Placeholder 3"/>
+          <p:cNvPicPr>
+            <a:picLocks noGrp="1" noChangeAspect="1"/>
+          </p:cNvPicPr>
+          <p:nvPr>
+            <p:ph idx="1"/>
+          </p:nvPr>
+        </p:nvPicPr>
+        <p:blipFill rotWithShape="1">
+          <a:blip r:embed="rId2"/>
+          <a:srcRect b="28135"/>
+          <a:stretch/>
+        </p:blipFill>
+        <p:spPr>
+          <a:xfrm>
+            <a:off x="2835840" y="2666005"/>
+            <a:ext cx="7009998" cy="2891641"/>
+          </a:xfrm>
+          <a:prstGeom prst="rect">
+            <a:avLst/>
+          </a:prstGeom>
+        </p:spPr>
+      </p:pic>
+      <p:sp>
+        <p:nvSpPr>
+          <p:cNvPr id="6" name="TextBox 5"/>
+          <p:cNvSpPr txBox="1"/>
+          <p:nvPr/>
+        </p:nvSpPr>
+        <p:spPr>
+          <a:xfrm>
+            <a:off x="4505240" y="1623929"/>
+            <a:ext cx="3671198" cy="646331"/>
+          </a:xfrm>
+          <a:prstGeom prst="rect">
+            <a:avLst/>
+          </a:prstGeom>
+          <a:noFill/>
+        </p:spPr>
+        <p:txBody>
+          <a:bodyPr wrap="none" rtlCol="0">
+            <a:spAutoFit/>
+          </a:bodyPr>
+          <a:lstStyle/>
+          <a:p>
+            <a:r>
+              <a:rPr lang="en-US" smtClean="0">
+                <a:latin typeface="Menlo" charset="0"/>
+                <a:ea typeface="Menlo" charset="0"/>
+                <a:cs typeface="Menlo" charset="0"/>
+              </a:rPr>
+              <a:t>git</a:t>
+            </a:r>
+            <a:r>
+              <a:rPr lang="en-US" dirty="0" smtClean="0">
+                <a:latin typeface="Menlo" charset="0"/>
+                <a:ea typeface="Menlo" charset="0"/>
+                <a:cs typeface="Menlo" charset="0"/>
+              </a:rPr>
+              <a:t> checkout testing</a:t>
+            </a:r>
+          </a:p>
+          <a:p>
+            <a:r>
+              <a:rPr lang="en-US" dirty="0" err="1" smtClean="0">
+                <a:latin typeface="Menlo" charset="0"/>
+                <a:ea typeface="Menlo" charset="0"/>
+                <a:cs typeface="Menlo" charset="0"/>
+              </a:rPr>
+              <a:t>git</a:t>
+            </a:r>
+            <a:r>
+              <a:rPr lang="en-US" dirty="0" smtClean="0">
+                <a:latin typeface="Menlo" charset="0"/>
+                <a:ea typeface="Menlo" charset="0"/>
+                <a:cs typeface="Menlo" charset="0"/>
+              </a:rPr>
+              <a:t> commit –m “go go go!”</a:t>
+            </a:r>
+            <a:endParaRPr lang="en-US" dirty="0">
+              <a:latin typeface="Menlo" charset="0"/>
+              <a:ea typeface="Menlo" charset="0"/>
+              <a:cs typeface="Menlo" charset="0"/>
+            </a:endParaRPr>
           </a:p>
         </p:txBody>
       </p:sp>
@@ -7582,95 +7716,16 @@
           </a:p>
         </p:txBody>
       </p:sp>
-      <p:pic>
-        <p:nvPicPr>
-          <p:cNvPr id="7" name="Content Placeholder 6"/>
-          <p:cNvPicPr>
-            <a:picLocks noGrp="1" noChangeAspect="1"/>
-          </p:cNvPicPr>
-          <p:nvPr>
-            <p:ph idx="1"/>
-          </p:nvPr>
-        </p:nvPicPr>
-        <p:blipFill>
-          <a:blip r:embed="rId2"/>
-          <a:stretch>
-            <a:fillRect/>
-          </a:stretch>
-        </p:blipFill>
-        <p:spPr>
-          <a:xfrm>
-            <a:off x="3514725" y="2667000"/>
-            <a:ext cx="5651500" cy="2832100"/>
-          </a:xfrm>
-          <a:prstGeom prst="rect">
-            <a:avLst/>
-          </a:prstGeom>
-        </p:spPr>
-      </p:pic>
-      <p:sp>
-        <p:nvSpPr>
-          <p:cNvPr id="3" name="TextBox 2"/>
-          <p:cNvSpPr txBox="1"/>
-          <p:nvPr/>
-        </p:nvSpPr>
-        <p:spPr>
-          <a:xfrm>
-            <a:off x="4504876" y="2086092"/>
-            <a:ext cx="3671198" cy="369332"/>
-          </a:xfrm>
-          <a:prstGeom prst="rect">
-            <a:avLst/>
-          </a:prstGeom>
-          <a:noFill/>
-        </p:spPr>
-        <p:txBody>
-          <a:bodyPr wrap="none" rtlCol="0">
-            <a:spAutoFit/>
-          </a:bodyPr>
-          <a:lstStyle/>
-          <a:p>
-            <a:r>
-              <a:rPr lang="en-US" dirty="0" err="1" smtClean="0">
-                <a:latin typeface="Menlo" charset="0"/>
-                <a:ea typeface="Menlo" charset="0"/>
-                <a:cs typeface="Menlo" charset="0"/>
-              </a:rPr>
-              <a:t>git</a:t>
-            </a:r>
-            <a:r>
-              <a:rPr lang="en-US" dirty="0" smtClean="0">
-                <a:latin typeface="Menlo" charset="0"/>
-                <a:ea typeface="Menlo" charset="0"/>
-                <a:cs typeface="Menlo" charset="0"/>
-              </a:rPr>
-              <a:t> branch testing master</a:t>
-            </a:r>
-            <a:endParaRPr lang="en-US" dirty="0">
-              <a:latin typeface="Menlo" charset="0"/>
-              <a:ea typeface="Menlo" charset="0"/>
-              <a:cs typeface="Menlo" charset="0"/>
-            </a:endParaRPr>
-          </a:p>
-        </p:txBody>
-      </p:sp>
     </p:spTree>
     <p:extLst>
       <p:ext uri="{BB962C8B-B14F-4D97-AF65-F5344CB8AC3E}">
-        <p14:creationId xmlns:p14="http://schemas.microsoft.com/office/powerpoint/2010/main" val="1771538119"/>
+        <p14:creationId xmlns:p14="http://schemas.microsoft.com/office/powerpoint/2010/main" val="2034580077"/>
       </p:ext>
     </p:extLst>
   </p:cSld>
   <p:clrMapOvr>
     <a:masterClrMapping/>
   </p:clrMapOvr>
-  <p:timing>
-    <p:tnLst>
-      <p:par>
-        <p:cTn id="1" dur="indefinite" restart="never" nodeType="tmRoot"/>
-      </p:par>
-    </p:tnLst>
-  </p:timing>
 </p:sld>
 </file>
 
@@ -7708,7 +7763,7 @@
           <a:p>
             <a:r>
               <a:rPr lang="en-US" dirty="0" smtClean="0"/>
-              <a:t>BRANCH – pointer to commit</a:t>
+              <a:t>Branch – the split road</a:t>
             </a:r>
             <a:endParaRPr lang="en-US" dirty="0"/>
           </a:p>
@@ -7726,13 +7781,13 @@
         </p:nvPicPr>
         <p:blipFill rotWithShape="1">
           <a:blip r:embed="rId2"/>
-          <a:srcRect b="28135"/>
+          <a:srcRect t="20981"/>
           <a:stretch/>
         </p:blipFill>
         <p:spPr>
           <a:xfrm>
-            <a:off x="2835840" y="2666005"/>
-            <a:ext cx="7009998" cy="2891641"/>
+            <a:off x="3211684" y="2636320"/>
+            <a:ext cx="6258309" cy="3778167"/>
           </a:xfrm>
           <a:prstGeom prst="rect">
             <a:avLst/>
@@ -7741,14 +7796,14 @@
       </p:pic>
       <p:sp>
         <p:nvSpPr>
-          <p:cNvPr id="6" name="TextBox 5"/>
+          <p:cNvPr id="5" name="TextBox 4"/>
           <p:cNvSpPr txBox="1"/>
           <p:nvPr/>
         </p:nvSpPr>
         <p:spPr>
           <a:xfrm>
-            <a:off x="4505240" y="1623929"/>
-            <a:ext cx="3671198" cy="646331"/>
+            <a:off x="4505239" y="1609087"/>
+            <a:ext cx="3531736" cy="646331"/>
           </a:xfrm>
           <a:prstGeom prst="rect">
             <a:avLst/>
@@ -7762,24 +7817,6 @@
           <a:lstStyle/>
           <a:p>
             <a:r>
-              <a:rPr lang="en-US" smtClean="0">
-                <a:latin typeface="Menlo" charset="0"/>
-                <a:ea typeface="Menlo" charset="0"/>
-                <a:cs typeface="Menlo" charset="0"/>
-              </a:rPr>
-              <a:t>git</a:t>
-            </a:r>
-            <a:r>
-              <a:rPr lang="en-US" dirty="0" smtClean="0">
-                <a:latin typeface="Menlo" charset="0"/>
-                <a:ea typeface="Menlo" charset="0"/>
-                <a:cs typeface="Menlo" charset="0"/>
-              </a:rPr>
-              <a:t> checkout testing</a:t>
-            </a:r>
-          </a:p>
-          <a:p>
-            <a:r>
               <a:rPr lang="en-US" dirty="0" err="1" smtClean="0">
                 <a:latin typeface="Menlo" charset="0"/>
                 <a:ea typeface="Menlo" charset="0"/>
@@ -7793,7 +7830,30 @@
                 <a:ea typeface="Menlo" charset="0"/>
                 <a:cs typeface="Menlo" charset="0"/>
               </a:rPr>
-              <a:t> commit –m “go go go!”</a:t>
+              <a:t> checkout master</a:t>
+            </a:r>
+            <a:br>
+              <a:rPr lang="en-US" dirty="0" smtClean="0">
+                <a:latin typeface="Menlo" charset="0"/>
+                <a:ea typeface="Menlo" charset="0"/>
+                <a:cs typeface="Menlo" charset="0"/>
+              </a:rPr>
+            </a:br>
+            <a:r>
+              <a:rPr lang="en-US" dirty="0" err="1" smtClean="0">
+                <a:latin typeface="Menlo" charset="0"/>
+                <a:ea typeface="Menlo" charset="0"/>
+                <a:cs typeface="Menlo" charset="0"/>
+              </a:rPr>
+              <a:t>git</a:t>
+            </a:r>
+            <a:r>
+              <a:rPr lang="en-US" dirty="0" smtClean="0">
+                <a:latin typeface="Menlo" charset="0"/>
+                <a:ea typeface="Menlo" charset="0"/>
+                <a:cs typeface="Menlo" charset="0"/>
+              </a:rPr>
+              <a:t> commit –m “Goodbye!”</a:t>
             </a:r>
             <a:endParaRPr lang="en-US" dirty="0">
               <a:latin typeface="Menlo" charset="0"/>
@@ -7805,7 +7865,7 @@
       </p:sp>
       <p:sp>
         <p:nvSpPr>
-          <p:cNvPr id="5" name="TextBox 4"/>
+          <p:cNvPr id="6" name="TextBox 5"/>
           <p:cNvSpPr txBox="1"/>
           <p:nvPr/>
         </p:nvSpPr>
@@ -7859,7 +7919,7 @@
     </p:spTree>
     <p:extLst>
       <p:ext uri="{BB962C8B-B14F-4D97-AF65-F5344CB8AC3E}">
-        <p14:creationId xmlns:p14="http://schemas.microsoft.com/office/powerpoint/2010/main" val="2034580077"/>
+        <p14:creationId xmlns:p14="http://schemas.microsoft.com/office/powerpoint/2010/main" val="364513343"/>
       </p:ext>
     </p:extLst>
   </p:cSld>
@@ -7903,169 +7963,89 @@
           <a:p>
             <a:r>
               <a:rPr lang="en-US" dirty="0" smtClean="0"/>
-              <a:t>Branch – the split road</a:t>
+              <a:t>Lets play!</a:t>
             </a:r>
             <a:endParaRPr lang="en-US" dirty="0"/>
           </a:p>
         </p:txBody>
       </p:sp>
-      <p:pic>
-        <p:nvPicPr>
-          <p:cNvPr id="4" name="Content Placeholder 3"/>
-          <p:cNvPicPr>
-            <a:picLocks noGrp="1" noChangeAspect="1"/>
-          </p:cNvPicPr>
-          <p:nvPr>
-            <p:ph idx="1"/>
-          </p:nvPr>
-        </p:nvPicPr>
-        <p:blipFill rotWithShape="1">
-          <a:blip r:embed="rId2"/>
-          <a:srcRect t="20981"/>
-          <a:stretch/>
-        </p:blipFill>
+      <p:sp>
+        <p:nvSpPr>
+          <p:cNvPr id="3" name="Text Placeholder 2"/>
+          <p:cNvSpPr>
+            <a:spLocks noGrp="1"/>
+          </p:cNvSpPr>
+          <p:nvPr>
+            <p:ph type="body" idx="1"/>
+          </p:nvPr>
+        </p:nvSpPr>
         <p:spPr>
           <a:xfrm>
-            <a:off x="3211684" y="2636320"/>
-            <a:ext cx="6258309" cy="3778167"/>
+            <a:off x="3242930" y="5159781"/>
+            <a:ext cx="7456738" cy="951135"/>
           </a:xfrm>
-          <a:prstGeom prst="rect">
-            <a:avLst/>
-          </a:prstGeom>
         </p:spPr>
-      </p:pic>
-      <p:sp>
-        <p:nvSpPr>
-          <p:cNvPr id="5" name="TextBox 4"/>
-          <p:cNvSpPr txBox="1"/>
-          <p:nvPr/>
-        </p:nvSpPr>
-        <p:spPr>
-          <a:xfrm>
-            <a:off x="4505239" y="1609087"/>
-            <a:ext cx="3531736" cy="646331"/>
-          </a:xfrm>
-          <a:prstGeom prst="rect">
-            <a:avLst/>
-          </a:prstGeom>
-          <a:noFill/>
-        </p:spPr>
-        <p:txBody>
-          <a:bodyPr wrap="none" rtlCol="0">
-            <a:spAutoFit/>
-          </a:bodyPr>
+        <p:txBody>
+          <a:bodyPr/>
           <a:lstStyle/>
           <a:p>
             <a:r>
-              <a:rPr lang="en-US" dirty="0" err="1" smtClean="0">
-                <a:latin typeface="Menlo" charset="0"/>
-                <a:ea typeface="Menlo" charset="0"/>
-                <a:cs typeface="Menlo" charset="0"/>
+              <a:rPr lang="en-US" dirty="0">
+                <a:hlinkClick r:id="rId2"/>
+              </a:rPr>
+              <a:t>https://</a:t>
+            </a:r>
+            <a:r>
+              <a:rPr lang="en-US" dirty="0" err="1">
+                <a:hlinkClick r:id="rId2"/>
+              </a:rPr>
+              <a:t>github.com</a:t>
+            </a:r>
+            <a:r>
+              <a:rPr lang="en-US" dirty="0">
+                <a:hlinkClick r:id="rId2"/>
+              </a:rPr>
+              <a:t>/</a:t>
+            </a:r>
+            <a:r>
+              <a:rPr lang="en-US" dirty="0" err="1">
+                <a:hlinkClick r:id="rId2"/>
+              </a:rPr>
+              <a:t>pswai</a:t>
+            </a:r>
+            <a:r>
+              <a:rPr lang="en-US" dirty="0">
+                <a:hlinkClick r:id="rId2"/>
+              </a:rPr>
+              <a:t>/learn-</a:t>
+            </a:r>
+            <a:r>
+              <a:rPr lang="en-US" dirty="0" err="1">
+                <a:hlinkClick r:id="rId2"/>
               </a:rPr>
               <a:t>git</a:t>
             </a:r>
-            <a:r>
-              <a:rPr lang="en-US" dirty="0" smtClean="0">
-                <a:latin typeface="Menlo" charset="0"/>
-                <a:ea typeface="Menlo" charset="0"/>
-                <a:cs typeface="Menlo" charset="0"/>
-              </a:rPr>
-              <a:t> checkout master</a:t>
-            </a:r>
-            <a:br>
-              <a:rPr lang="en-US" dirty="0" smtClean="0">
-                <a:latin typeface="Menlo" charset="0"/>
-                <a:ea typeface="Menlo" charset="0"/>
-                <a:cs typeface="Menlo" charset="0"/>
-              </a:rPr>
-            </a:br>
-            <a:r>
-              <a:rPr lang="en-US" dirty="0" err="1" smtClean="0">
-                <a:latin typeface="Menlo" charset="0"/>
-                <a:ea typeface="Menlo" charset="0"/>
-                <a:cs typeface="Menlo" charset="0"/>
-              </a:rPr>
-              <a:t>git</a:t>
-            </a:r>
-            <a:r>
-              <a:rPr lang="en-US" dirty="0" smtClean="0">
-                <a:latin typeface="Menlo" charset="0"/>
-                <a:ea typeface="Menlo" charset="0"/>
-                <a:cs typeface="Menlo" charset="0"/>
-              </a:rPr>
-              <a:t> commit –m “Goodbye!”</a:t>
-            </a:r>
-            <a:endParaRPr lang="en-US" dirty="0">
-              <a:latin typeface="Menlo" charset="0"/>
-              <a:ea typeface="Menlo" charset="0"/>
-              <a:cs typeface="Menlo" charset="0"/>
-            </a:endParaRPr>
-          </a:p>
-        </p:txBody>
-      </p:sp>
-      <p:sp>
-        <p:nvSpPr>
-          <p:cNvPr id="6" name="TextBox 5"/>
-          <p:cNvSpPr txBox="1"/>
-          <p:nvPr/>
-        </p:nvSpPr>
-        <p:spPr>
-          <a:xfrm>
-            <a:off x="7056564" y="6581001"/>
-            <a:ext cx="4917821" cy="276999"/>
-          </a:xfrm>
-          <a:prstGeom prst="rect">
-            <a:avLst/>
-          </a:prstGeom>
-          <a:noFill/>
-        </p:spPr>
-        <p:txBody>
-          <a:bodyPr wrap="none" rtlCol="0">
-            <a:spAutoFit/>
-          </a:bodyPr>
-          <a:lstStyle/>
-          <a:p>
-            <a:r>
-              <a:rPr lang="en-US" sz="1200" dirty="0"/>
-              <a:t>Image from https://</a:t>
-            </a:r>
-            <a:r>
-              <a:rPr lang="en-US" sz="1200" dirty="0" err="1"/>
-              <a:t>git-scm.com</a:t>
-            </a:r>
-            <a:r>
-              <a:rPr lang="en-US" sz="1200" dirty="0"/>
-              <a:t>/book/</a:t>
-            </a:r>
-            <a:r>
-              <a:rPr lang="en-US" sz="1200" dirty="0" err="1"/>
-              <a:t>en</a:t>
-            </a:r>
-            <a:r>
-              <a:rPr lang="en-US" sz="1200" dirty="0"/>
-              <a:t>/v1/</a:t>
-            </a:r>
-            <a:r>
-              <a:rPr lang="en-US" sz="1200" dirty="0" err="1"/>
-              <a:t>Git</a:t>
-            </a:r>
-            <a:r>
-              <a:rPr lang="en-US" sz="1200" dirty="0"/>
-              <a:t>-Branching-What-a-Branch-Is</a:t>
-            </a:r>
+            <a:endParaRPr lang="en-US" dirty="0"/>
           </a:p>
         </p:txBody>
       </p:sp>
     </p:spTree>
     <p:extLst>
       <p:ext uri="{BB962C8B-B14F-4D97-AF65-F5344CB8AC3E}">
-        <p14:creationId xmlns:p14="http://schemas.microsoft.com/office/powerpoint/2010/main" val="364513343"/>
+        <p14:creationId xmlns:p14="http://schemas.microsoft.com/office/powerpoint/2010/main" val="1494779514"/>
       </p:ext>
     </p:extLst>
   </p:cSld>
   <p:clrMapOvr>
     <a:masterClrMapping/>
   </p:clrMapOvr>
+  <p:timing>
+    <p:tnLst>
+      <p:par>
+        <p:cTn id="1" dur="indefinite" restart="never" nodeType="tmRoot"/>
+      </p:par>
+    </p:tnLst>
+  </p:timing>
 </p:sld>
 </file>
 
@@ -8103,126 +8083,6 @@
           <a:p>
             <a:r>
               <a:rPr lang="en-US" dirty="0" smtClean="0"/>
-              <a:t>Lets play!</a:t>
-            </a:r>
-            <a:endParaRPr lang="en-US" dirty="0"/>
-          </a:p>
-        </p:txBody>
-      </p:sp>
-      <p:sp>
-        <p:nvSpPr>
-          <p:cNvPr id="3" name="Text Placeholder 2"/>
-          <p:cNvSpPr>
-            <a:spLocks noGrp="1"/>
-          </p:cNvSpPr>
-          <p:nvPr>
-            <p:ph type="body" idx="1"/>
-          </p:nvPr>
-        </p:nvSpPr>
-        <p:spPr>
-          <a:xfrm>
-            <a:off x="3242930" y="5159781"/>
-            <a:ext cx="7456738" cy="951135"/>
-          </a:xfrm>
-        </p:spPr>
-        <p:txBody>
-          <a:bodyPr/>
-          <a:lstStyle/>
-          <a:p>
-            <a:r>
-              <a:rPr lang="en-US" dirty="0">
-                <a:hlinkClick r:id="rId2"/>
-              </a:rPr>
-              <a:t>https://</a:t>
-            </a:r>
-            <a:r>
-              <a:rPr lang="en-US" dirty="0" err="1">
-                <a:hlinkClick r:id="rId2"/>
-              </a:rPr>
-              <a:t>github.com</a:t>
-            </a:r>
-            <a:r>
-              <a:rPr lang="en-US" dirty="0">
-                <a:hlinkClick r:id="rId2"/>
-              </a:rPr>
-              <a:t>/</a:t>
-            </a:r>
-            <a:r>
-              <a:rPr lang="en-US" dirty="0" err="1">
-                <a:hlinkClick r:id="rId2"/>
-              </a:rPr>
-              <a:t>pswai</a:t>
-            </a:r>
-            <a:r>
-              <a:rPr lang="en-US" dirty="0">
-                <a:hlinkClick r:id="rId2"/>
-              </a:rPr>
-              <a:t>/learn-</a:t>
-            </a:r>
-            <a:r>
-              <a:rPr lang="en-US" dirty="0" err="1">
-                <a:hlinkClick r:id="rId2"/>
-              </a:rPr>
-              <a:t>git</a:t>
-            </a:r>
-            <a:endParaRPr lang="en-US" dirty="0"/>
-          </a:p>
-        </p:txBody>
-      </p:sp>
-    </p:spTree>
-    <p:extLst>
-      <p:ext uri="{BB962C8B-B14F-4D97-AF65-F5344CB8AC3E}">
-        <p14:creationId xmlns:p14="http://schemas.microsoft.com/office/powerpoint/2010/main" val="1494779514"/>
-      </p:ext>
-    </p:extLst>
-  </p:cSld>
-  <p:clrMapOvr>
-    <a:masterClrMapping/>
-  </p:clrMapOvr>
-  <p:timing>
-    <p:tnLst>
-      <p:par>
-        <p:cTn id="1" dur="indefinite" restart="never" nodeType="tmRoot"/>
-      </p:par>
-    </p:tnLst>
-  </p:timing>
-</p:sld>
-</file>
-
-<file path=ppt/slides/slide15.xml><?xml version="1.0" encoding="utf-8"?>
-<p:sld xmlns:a="http://schemas.openxmlformats.org/drawingml/2006/main" xmlns:r="http://schemas.openxmlformats.org/officeDocument/2006/relationships" xmlns:p="http://schemas.openxmlformats.org/presentationml/2006/main">
-  <p:cSld>
-    <p:spTree>
-      <p:nvGrpSpPr>
-        <p:cNvPr id="1" name=""/>
-        <p:cNvGrpSpPr/>
-        <p:nvPr/>
-      </p:nvGrpSpPr>
-      <p:grpSpPr>
-        <a:xfrm>
-          <a:off x="0" y="0"/>
-          <a:ext cx="0" cy="0"/>
-          <a:chOff x="0" y="0"/>
-          <a:chExt cx="0" cy="0"/>
-        </a:xfrm>
-      </p:grpSpPr>
-      <p:sp>
-        <p:nvSpPr>
-          <p:cNvPr id="2" name="Title 1"/>
-          <p:cNvSpPr>
-            <a:spLocks noGrp="1"/>
-          </p:cNvSpPr>
-          <p:nvPr>
-            <p:ph type="title"/>
-          </p:nvPr>
-        </p:nvSpPr>
-        <p:spPr/>
-        <p:txBody>
-          <a:bodyPr/>
-          <a:lstStyle/>
-          <a:p>
-            <a:r>
-              <a:rPr lang="en-US" dirty="0" smtClean="0"/>
               <a:t>Resources</a:t>
             </a:r>
             <a:endParaRPr lang="en-US" dirty="0"/>
@@ -8342,7 +8202,7 @@
 </p:sld>
 </file>
 
-<file path=ppt/slides/slide16.xml><?xml version="1.0" encoding="utf-8"?>
+<file path=ppt/slides/slide15.xml><?xml version="1.0" encoding="utf-8"?>
 <p:sld xmlns:a="http://schemas.openxmlformats.org/drawingml/2006/main" xmlns:r="http://schemas.openxmlformats.org/officeDocument/2006/relationships" xmlns:p="http://schemas.openxmlformats.org/presentationml/2006/main">
   <p:cSld>
     <p:spTree>
@@ -8838,7 +8698,7 @@
 </file>
 
 <file path=ppt/slides/slide5.xml><?xml version="1.0" encoding="utf-8"?>
-<p:sld xmlns:a="http://schemas.openxmlformats.org/drawingml/2006/main" xmlns:r="http://schemas.openxmlformats.org/officeDocument/2006/relationships" xmlns:p="http://schemas.openxmlformats.org/presentationml/2006/main" show="0">
+<p:sld xmlns:a="http://schemas.openxmlformats.org/drawingml/2006/main" xmlns:r="http://schemas.openxmlformats.org/officeDocument/2006/relationships" xmlns:p="http://schemas.openxmlformats.org/presentationml/2006/main">
   <p:cSld>
     <p:spTree>
       <p:nvGrpSpPr>
@@ -8870,55 +8730,21 @@
           <a:lstStyle/>
           <a:p>
             <a:r>
-              <a:rPr lang="en-US" dirty="0" err="1" smtClean="0"/>
-              <a:t>Git</a:t>
-            </a:r>
-            <a:r>
-              <a:rPr lang="en-US" dirty="0"/>
-              <a:t> </a:t>
-            </a:r>
-            <a:r>
               <a:rPr lang="en-US" dirty="0" smtClean="0"/>
-              <a:t>– right now</a:t>
+              <a:t>the concepts</a:t>
             </a:r>
             <a:endParaRPr lang="en-US" dirty="0"/>
           </a:p>
         </p:txBody>
       </p:sp>
-      <p:pic>
-        <p:nvPicPr>
-          <p:cNvPr id="5" name="Content Placeholder 4"/>
-          <p:cNvPicPr>
-            <a:picLocks noGrp="1" noChangeAspect="1"/>
-          </p:cNvPicPr>
-          <p:nvPr>
-            <p:ph idx="1"/>
-          </p:nvPr>
-        </p:nvPicPr>
-        <p:blipFill>
-          <a:blip r:embed="rId2"/>
-          <a:stretch>
-            <a:fillRect/>
-          </a:stretch>
-        </p:blipFill>
-        <p:spPr>
-          <a:xfrm>
-            <a:off x="2123454" y="920750"/>
-            <a:ext cx="3441354" cy="4984750"/>
-          </a:xfrm>
-          <a:prstGeom prst="rect">
-            <a:avLst/>
-          </a:prstGeom>
-        </p:spPr>
-      </p:pic>
-      <p:sp>
-        <p:nvSpPr>
-          <p:cNvPr id="4" name="Text Placeholder 3"/>
+      <p:sp>
+        <p:nvSpPr>
+          <p:cNvPr id="3" name="Text Placeholder 2"/>
           <p:cNvSpPr>
             <a:spLocks noGrp="1"/>
           </p:cNvSpPr>
           <p:nvPr>
-            <p:ph type="body" sz="half" idx="2"/>
+            <p:ph type="body" idx="1"/>
           </p:nvPr>
         </p:nvSpPr>
         <p:spPr/>
@@ -8926,65 +8752,24 @@
           <a:bodyPr/>
           <a:lstStyle/>
           <a:p>
+            <a:r>
+              <a:rPr lang="en-US" dirty="0" smtClean="0"/>
+              <a:t>Behind the scenes</a:t>
+            </a:r>
             <a:endParaRPr lang="en-US" dirty="0"/>
-          </a:p>
-        </p:txBody>
-      </p:sp>
-      <p:sp>
-        <p:nvSpPr>
-          <p:cNvPr id="6" name="TextBox 5"/>
-          <p:cNvSpPr txBox="1"/>
-          <p:nvPr/>
-        </p:nvSpPr>
-        <p:spPr>
-          <a:xfrm>
-            <a:off x="5014012" y="6581001"/>
-            <a:ext cx="2364237" cy="276999"/>
-          </a:xfrm>
-          <a:prstGeom prst="rect">
-            <a:avLst/>
-          </a:prstGeom>
-          <a:noFill/>
-        </p:spPr>
-        <p:txBody>
-          <a:bodyPr wrap="none" rtlCol="0">
-            <a:spAutoFit/>
-          </a:bodyPr>
-          <a:lstStyle/>
-          <a:p>
-            <a:r>
-              <a:rPr lang="en-US" sz="1200" dirty="0"/>
-              <a:t>Image from https://</a:t>
-            </a:r>
-            <a:r>
-              <a:rPr lang="en-US" sz="1200" dirty="0" err="1"/>
-              <a:t>xkcd.com</a:t>
-            </a:r>
-            <a:r>
-              <a:rPr lang="en-US" sz="1200" dirty="0"/>
-              <a:t>/1597/</a:t>
-            </a:r>
           </a:p>
         </p:txBody>
       </p:sp>
     </p:spTree>
     <p:extLst>
       <p:ext uri="{BB962C8B-B14F-4D97-AF65-F5344CB8AC3E}">
-        <p14:creationId xmlns:p14="http://schemas.microsoft.com/office/powerpoint/2010/main" val="1932445958"/>
+        <p14:creationId xmlns:p14="http://schemas.microsoft.com/office/powerpoint/2010/main" val="1693721265"/>
       </p:ext>
     </p:extLst>
   </p:cSld>
   <p:clrMapOvr>
     <a:masterClrMapping/>
   </p:clrMapOvr>
-  <mc:AlternateContent xmlns:mc="http://schemas.openxmlformats.org/markup-compatibility/2006">
-    <mc:Choice xmlns:p14="http://schemas.microsoft.com/office/powerpoint/2010/main" Requires="p14">
-      <p:transition spd="slow" p14:dur="2000"/>
-    </mc:Choice>
-    <mc:Fallback>
-      <p:transition spd="slow"/>
-    </mc:Fallback>
-  </mc:AlternateContent>
   <p:timing>
     <p:tnLst>
       <p:par>
@@ -9029,7 +8814,7 @@
           <a:p>
             <a:r>
               <a:rPr lang="en-US" dirty="0" smtClean="0"/>
-              <a:t>the concepts</a:t>
+              <a:t>Basic concepts</a:t>
             </a:r>
             <a:endParaRPr lang="en-US" dirty="0"/>
           </a:p>
@@ -9037,12 +8822,12 @@
       </p:sp>
       <p:sp>
         <p:nvSpPr>
-          <p:cNvPr id="3" name="Text Placeholder 2"/>
+          <p:cNvPr id="3" name="Content Placeholder 2"/>
           <p:cNvSpPr>
             <a:spLocks noGrp="1"/>
           </p:cNvSpPr>
           <p:nvPr>
-            <p:ph type="body" idx="1"/>
+            <p:ph idx="1"/>
           </p:nvPr>
         </p:nvSpPr>
         <p:spPr/>
@@ -9051,9 +8836,33 @@
           <a:lstStyle/>
           <a:p>
             <a:r>
+              <a:rPr lang="en-US" dirty="0" err="1" smtClean="0"/>
+              <a:t>Git</a:t>
+            </a:r>
+            <a:r>
               <a:rPr lang="en-US" dirty="0" smtClean="0"/>
-              <a:t>Behind the scenes</a:t>
-            </a:r>
+              <a:t> takes snapshots of the entire repository (folder)</a:t>
+            </a:r>
+          </a:p>
+          <a:p>
+            <a:r>
+              <a:rPr lang="en-US" dirty="0" smtClean="0"/>
+              <a:t>Each snapshot is a tree of pointers to tracked files</a:t>
+            </a:r>
+          </a:p>
+          <a:p>
+            <a:r>
+              <a:rPr lang="en-US" dirty="0" smtClean="0"/>
+              <a:t>Each commit contains a pointer to a snapshot</a:t>
+            </a:r>
+          </a:p>
+          <a:p>
+            <a:r>
+              <a:rPr lang="en-US" dirty="0" smtClean="0"/>
+              <a:t>Each branch is a pointer to a commit</a:t>
+            </a:r>
+          </a:p>
+          <a:p>
             <a:endParaRPr lang="en-US" dirty="0"/>
           </a:p>
         </p:txBody>
@@ -9061,7 +8870,7 @@
     </p:spTree>
     <p:extLst>
       <p:ext uri="{BB962C8B-B14F-4D97-AF65-F5344CB8AC3E}">
-        <p14:creationId xmlns:p14="http://schemas.microsoft.com/office/powerpoint/2010/main" val="1693721265"/>
+        <p14:creationId xmlns:p14="http://schemas.microsoft.com/office/powerpoint/2010/main" val="433306037"/>
       </p:ext>
     </p:extLst>
   </p:cSld>
@@ -9112,63 +8921,103 @@
           <a:p>
             <a:r>
               <a:rPr lang="en-US" dirty="0" smtClean="0"/>
-              <a:t>Basic concepts</a:t>
+              <a:t>Snapshot – pointer tree to files</a:t>
             </a:r>
             <a:endParaRPr lang="en-US" dirty="0"/>
           </a:p>
         </p:txBody>
       </p:sp>
-      <p:sp>
-        <p:nvSpPr>
-          <p:cNvPr id="3" name="Content Placeholder 2"/>
-          <p:cNvSpPr>
-            <a:spLocks noGrp="1"/>
-          </p:cNvSpPr>
+      <p:pic>
+        <p:nvPicPr>
+          <p:cNvPr id="4" name="Content Placeholder 3"/>
+          <p:cNvPicPr>
+            <a:picLocks noGrp="1" noChangeAspect="1"/>
+          </p:cNvPicPr>
           <p:nvPr>
             <p:ph idx="1"/>
           </p:nvPr>
-        </p:nvSpPr>
-        <p:spPr/>
-        <p:txBody>
-          <a:bodyPr/>
+        </p:nvPicPr>
+        <p:blipFill>
+          <a:blip r:embed="rId2"/>
+          <a:stretch>
+            <a:fillRect/>
+          </a:stretch>
+        </p:blipFill>
+        <p:spPr>
+          <a:xfrm>
+            <a:off x="3658311" y="2286000"/>
+            <a:ext cx="5364328" cy="3594100"/>
+          </a:xfrm>
+          <a:prstGeom prst="rect">
+            <a:avLst/>
+          </a:prstGeom>
+        </p:spPr>
+      </p:pic>
+      <p:sp>
+        <p:nvSpPr>
+          <p:cNvPr id="5" name="TextBox 4"/>
+          <p:cNvSpPr txBox="1"/>
+          <p:nvPr/>
+        </p:nvSpPr>
+        <p:spPr>
+          <a:xfrm>
+            <a:off x="7484075" y="6581001"/>
+            <a:ext cx="4480201" cy="276999"/>
+          </a:xfrm>
+          <a:prstGeom prst="rect">
+            <a:avLst/>
+          </a:prstGeom>
+          <a:noFill/>
+        </p:spPr>
+        <p:txBody>
+          <a:bodyPr wrap="none" rtlCol="0">
+            <a:spAutoFit/>
+          </a:bodyPr>
           <a:lstStyle/>
           <a:p>
             <a:r>
-              <a:rPr lang="en-US" dirty="0" err="1" smtClean="0"/>
+              <a:rPr lang="en-US" sz="1200" dirty="0"/>
+              <a:t>Image from https://</a:t>
+            </a:r>
+            <a:r>
+              <a:rPr lang="en-US" sz="1200" dirty="0" err="1"/>
+              <a:t>git-scm.com</a:t>
+            </a:r>
+            <a:r>
+              <a:rPr lang="en-US" sz="1200" dirty="0"/>
+              <a:t>/book/</a:t>
+            </a:r>
+            <a:r>
+              <a:rPr lang="en-US" sz="1200" dirty="0" err="1"/>
+              <a:t>en</a:t>
+            </a:r>
+            <a:r>
+              <a:rPr lang="en-US" sz="1200" dirty="0"/>
+              <a:t>/v1/</a:t>
+            </a:r>
+            <a:r>
+              <a:rPr lang="en-US" sz="1200" dirty="0" err="1"/>
               <a:t>Git</a:t>
             </a:r>
             <a:r>
-              <a:rPr lang="en-US" dirty="0" smtClean="0"/>
-              <a:t> takes snapshots of the entire repository (folder)</a:t>
-            </a:r>
-          </a:p>
-          <a:p>
-            <a:r>
-              <a:rPr lang="en-US" dirty="0" smtClean="0"/>
-              <a:t>Each snapshot is a tree of pointers to tracked files</a:t>
-            </a:r>
-          </a:p>
-          <a:p>
-            <a:r>
-              <a:rPr lang="en-US" dirty="0" smtClean="0"/>
-              <a:t>Each commit contains a pointer to a snapshot</a:t>
-            </a:r>
-          </a:p>
-          <a:p>
-            <a:r>
-              <a:rPr lang="en-US" dirty="0" smtClean="0"/>
-              <a:t>Each branch is a pointer to a commit</a:t>
-            </a:r>
-          </a:p>
-          <a:p>
-            <a:endParaRPr lang="en-US" dirty="0"/>
+              <a:rPr lang="en-US" sz="1200" dirty="0"/>
+              <a:t>-Internals-</a:t>
+            </a:r>
+            <a:r>
+              <a:rPr lang="en-US" sz="1200" dirty="0" err="1"/>
+              <a:t>Git</a:t>
+            </a:r>
+            <a:r>
+              <a:rPr lang="en-US" sz="1200" dirty="0"/>
+              <a:t>-Objects</a:t>
+            </a:r>
           </a:p>
         </p:txBody>
       </p:sp>
     </p:spTree>
     <p:extLst>
       <p:ext uri="{BB962C8B-B14F-4D97-AF65-F5344CB8AC3E}">
-        <p14:creationId xmlns:p14="http://schemas.microsoft.com/office/powerpoint/2010/main" val="433306037"/>
+        <p14:creationId xmlns:p14="http://schemas.microsoft.com/office/powerpoint/2010/main" val="647388633"/>
       </p:ext>
     </p:extLst>
   </p:cSld>
@@ -9219,7 +9068,7 @@
           <a:p>
             <a:r>
               <a:rPr lang="en-US" dirty="0" smtClean="0"/>
-              <a:t>Snapshot – pointer tree to files</a:t>
+              <a:t>COMMIT – Pointer to snapshot</a:t>
             </a:r>
             <a:endParaRPr lang="en-US" dirty="0"/>
           </a:p>
@@ -9243,8 +9092,8 @@
         </p:blipFill>
         <p:spPr>
           <a:xfrm>
-            <a:off x="3658311" y="2286000"/>
-            <a:ext cx="5364328" cy="3594100"/>
+            <a:off x="3165475" y="2667000"/>
+            <a:ext cx="6350000" cy="2832100"/>
           </a:xfrm>
           <a:prstGeom prst="rect">
             <a:avLst/>
@@ -9259,8 +9108,8 @@
         </p:nvSpPr>
         <p:spPr>
           <a:xfrm>
-            <a:off x="7484075" y="6581001"/>
-            <a:ext cx="4480201" cy="276999"/>
+            <a:off x="7056564" y="6581001"/>
+            <a:ext cx="4917821" cy="276999"/>
           </a:xfrm>
           <a:prstGeom prst="rect">
             <a:avLst/>
@@ -9299,15 +9148,7 @@
             </a:r>
             <a:r>
               <a:rPr lang="en-US" sz="1200" dirty="0"/>
-              <a:t>-Internals-</a:t>
-            </a:r>
-            <a:r>
-              <a:rPr lang="en-US" sz="1200" dirty="0" err="1"/>
-              <a:t>Git</a:t>
-            </a:r>
-            <a:r>
-              <a:rPr lang="en-US" sz="1200" dirty="0"/>
-              <a:t>-Objects</a:t>
+              <a:t>-Branching-What-a-Branch-Is</a:t>
             </a:r>
           </a:p>
         </p:txBody>
@@ -9315,7 +9156,7 @@
     </p:spTree>
     <p:extLst>
       <p:ext uri="{BB962C8B-B14F-4D97-AF65-F5344CB8AC3E}">
-        <p14:creationId xmlns:p14="http://schemas.microsoft.com/office/powerpoint/2010/main" val="647388633"/>
+        <p14:creationId xmlns:p14="http://schemas.microsoft.com/office/powerpoint/2010/main" val="1023268160"/>
       </p:ext>
     </p:extLst>
   </p:cSld>
@@ -9366,7 +9207,7 @@
           <a:p>
             <a:r>
               <a:rPr lang="en-US" dirty="0" smtClean="0"/>
-              <a:t>COMMIT – Pointer to snapshot</a:t>
+              <a:t>Branch – pointer to commit</a:t>
             </a:r>
             <a:endParaRPr lang="en-US" dirty="0"/>
           </a:p>
@@ -9390,8 +9231,8 @@
         </p:blipFill>
         <p:spPr>
           <a:xfrm>
-            <a:off x="3165475" y="2667000"/>
-            <a:ext cx="6350000" cy="2832100"/>
+            <a:off x="3165475" y="2489200"/>
+            <a:ext cx="6350000" cy="3187700"/>
           </a:xfrm>
           <a:prstGeom prst="rect">
             <a:avLst/>
@@ -9454,7 +9295,7 @@
     </p:spTree>
     <p:extLst>
       <p:ext uri="{BB962C8B-B14F-4D97-AF65-F5344CB8AC3E}">
-        <p14:creationId xmlns:p14="http://schemas.microsoft.com/office/powerpoint/2010/main" val="1023268160"/>
+        <p14:creationId xmlns:p14="http://schemas.microsoft.com/office/powerpoint/2010/main" val="1279689548"/>
       </p:ext>
     </p:extLst>
   </p:cSld>
